--- a/slides/Breadboard-Basics.pptx
+++ b/slides/Breadboard-Basics.pptx
@@ -6,6 +6,11 @@
   </p:sldMasterIdLst>
   <p:sldIdLst>
     <p:sldId id="256" r:id="rId2"/>
+    <p:sldId id="260" r:id="rId3"/>
+    <p:sldId id="261" r:id="rId4"/>
+    <p:sldId id="259" r:id="rId5"/>
+    <p:sldId id="257" r:id="rId6"/>
+    <p:sldId id="258" r:id="rId7"/>
   </p:sldIdLst>
   <p:sldSz cx="12192000" cy="6858000"/>
   <p:notesSz cx="6858000" cy="9144000"/>
@@ -3387,6 +3392,3601 @@
 </p:sld>
 </file>
 
+<file path=ppt/slides/slide2.xml><?xml version="1.0" encoding="utf-8"?>
+<p:sld xmlns:a="http://schemas.openxmlformats.org/drawingml/2006/main" xmlns:r="http://schemas.openxmlformats.org/officeDocument/2006/relationships" xmlns:p="http://schemas.openxmlformats.org/presentationml/2006/main">
+  <p:cSld>
+    <p:spTree>
+      <p:nvGrpSpPr>
+        <p:cNvPr id="1" name=""/>
+        <p:cNvGrpSpPr/>
+        <p:nvPr/>
+      </p:nvGrpSpPr>
+      <p:grpSpPr>
+        <a:xfrm>
+          <a:off x="0" y="0"/>
+          <a:ext cx="0" cy="0"/>
+          <a:chOff x="0" y="0"/>
+          <a:chExt cx="0" cy="0"/>
+        </a:xfrm>
+      </p:grpSpPr>
+      <p:pic>
+        <p:nvPicPr>
+          <p:cNvPr id="5" name="Picture 4">
+            <a:extLst>
+              <a:ext uri="{FF2B5EF4-FFF2-40B4-BE49-F238E27FC236}">
+                <a16:creationId xmlns:a16="http://schemas.microsoft.com/office/drawing/2014/main" id="{325C1C83-496F-7576-1CDF-D88A8298FD53}"/>
+              </a:ext>
+            </a:extLst>
+          </p:cNvPr>
+          <p:cNvPicPr>
+            <a:picLocks noChangeAspect="1"/>
+          </p:cNvPicPr>
+          <p:nvPr/>
+        </p:nvPicPr>
+        <p:blipFill>
+          <a:blip r:embed="rId2"/>
+          <a:stretch>
+            <a:fillRect/>
+          </a:stretch>
+        </p:blipFill>
+        <p:spPr>
+          <a:xfrm>
+            <a:off x="4776854" y="2456597"/>
+            <a:ext cx="4270034" cy="3002867"/>
+          </a:xfrm>
+          <a:prstGeom prst="rect">
+            <a:avLst/>
+          </a:prstGeom>
+        </p:spPr>
+      </p:pic>
+      <p:sp>
+        <p:nvSpPr>
+          <p:cNvPr id="2" name="Title 1">
+            <a:extLst>
+              <a:ext uri="{FF2B5EF4-FFF2-40B4-BE49-F238E27FC236}">
+                <a16:creationId xmlns:a16="http://schemas.microsoft.com/office/drawing/2014/main" id="{384C62E9-0C8E-CD86-DF9C-7258928C2F46}"/>
+              </a:ext>
+            </a:extLst>
+          </p:cNvPr>
+          <p:cNvSpPr>
+            <a:spLocks noGrp="1"/>
+          </p:cNvSpPr>
+          <p:nvPr>
+            <p:ph type="title"/>
+          </p:nvPr>
+        </p:nvSpPr>
+        <p:spPr/>
+        <p:txBody>
+          <a:bodyPr/>
+          <a:lstStyle/>
+          <a:p>
+            <a:endParaRPr lang="en-US"/>
+          </a:p>
+        </p:txBody>
+      </p:sp>
+      <p:pic>
+        <p:nvPicPr>
+          <p:cNvPr id="4" name="Picture 3">
+            <a:extLst>
+              <a:ext uri="{FF2B5EF4-FFF2-40B4-BE49-F238E27FC236}">
+                <a16:creationId xmlns:a16="http://schemas.microsoft.com/office/drawing/2014/main" id="{65490FEE-A335-9C0D-5A04-78B3A3B8BB67}"/>
+              </a:ext>
+            </a:extLst>
+          </p:cNvPr>
+          <p:cNvPicPr>
+            <a:picLocks noChangeAspect="1"/>
+          </p:cNvPicPr>
+          <p:nvPr/>
+        </p:nvPicPr>
+        <p:blipFill>
+          <a:blip r:embed="rId3">
+            <a:clrChange>
+              <a:clrFrom>
+                <a:srgbClr val="F1F1F1"/>
+              </a:clrFrom>
+              <a:clrTo>
+                <a:srgbClr val="F1F1F1">
+                  <a:alpha val="0"/>
+                </a:srgbClr>
+              </a:clrTo>
+            </a:clrChange>
+          </a:blip>
+          <a:stretch>
+            <a:fillRect/>
+          </a:stretch>
+        </p:blipFill>
+        <p:spPr>
+          <a:xfrm rot="5400000">
+            <a:off x="2665039" y="3039062"/>
+            <a:ext cx="3142966" cy="1978036"/>
+          </a:xfrm>
+          <a:prstGeom prst="rect">
+            <a:avLst/>
+          </a:prstGeom>
+        </p:spPr>
+      </p:pic>
+      <p:sp>
+        <p:nvSpPr>
+          <p:cNvPr id="6" name="TextBox 5">
+            <a:extLst>
+              <a:ext uri="{FF2B5EF4-FFF2-40B4-BE49-F238E27FC236}">
+                <a16:creationId xmlns:a16="http://schemas.microsoft.com/office/drawing/2014/main" id="{DE3F1E18-1736-9930-78C8-E5693A78C637}"/>
+              </a:ext>
+            </a:extLst>
+          </p:cNvPr>
+          <p:cNvSpPr txBox="1"/>
+          <p:nvPr/>
+        </p:nvSpPr>
+        <p:spPr>
+          <a:xfrm>
+            <a:off x="2415654" y="1994932"/>
+            <a:ext cx="704039" cy="461665"/>
+          </a:xfrm>
+          <a:prstGeom prst="rect">
+            <a:avLst/>
+          </a:prstGeom>
+          <a:noFill/>
+        </p:spPr>
+        <p:txBody>
+          <a:bodyPr wrap="none" rtlCol="0">
+            <a:spAutoFit/>
+          </a:bodyPr>
+          <a:lstStyle/>
+          <a:p>
+            <a:r>
+              <a:rPr lang="en-US" sz="2400" b="1" dirty="0"/>
+              <a:t>USB</a:t>
+            </a:r>
+          </a:p>
+        </p:txBody>
+      </p:sp>
+    </p:spTree>
+    <p:extLst>
+      <p:ext uri="{BB962C8B-B14F-4D97-AF65-F5344CB8AC3E}">
+        <p14:creationId xmlns:p14="http://schemas.microsoft.com/office/powerpoint/2010/main" val="4003040267"/>
+      </p:ext>
+    </p:extLst>
+  </p:cSld>
+  <p:clrMapOvr>
+    <a:masterClrMapping/>
+  </p:clrMapOvr>
+</p:sld>
+</file>
+
+<file path=ppt/slides/slide3.xml><?xml version="1.0" encoding="utf-8"?>
+<p:sld xmlns:a="http://schemas.openxmlformats.org/drawingml/2006/main" xmlns:r="http://schemas.openxmlformats.org/officeDocument/2006/relationships" xmlns:p="http://schemas.openxmlformats.org/presentationml/2006/main">
+  <p:cSld>
+    <p:spTree>
+      <p:nvGrpSpPr>
+        <p:cNvPr id="1" name=""/>
+        <p:cNvGrpSpPr/>
+        <p:nvPr/>
+      </p:nvGrpSpPr>
+      <p:grpSpPr>
+        <a:xfrm>
+          <a:off x="0" y="0"/>
+          <a:ext cx="0" cy="0"/>
+          <a:chOff x="0" y="0"/>
+          <a:chExt cx="0" cy="0"/>
+        </a:xfrm>
+      </p:grpSpPr>
+      <p:sp>
+        <p:nvSpPr>
+          <p:cNvPr id="2" name="Title 1">
+            <a:extLst>
+              <a:ext uri="{FF2B5EF4-FFF2-40B4-BE49-F238E27FC236}">
+                <a16:creationId xmlns:a16="http://schemas.microsoft.com/office/drawing/2014/main" id="{EC1A83FA-CB40-2D05-B87E-CF5534C67792}"/>
+              </a:ext>
+            </a:extLst>
+          </p:cNvPr>
+          <p:cNvSpPr>
+            <a:spLocks noGrp="1"/>
+          </p:cNvSpPr>
+          <p:nvPr>
+            <p:ph type="title"/>
+          </p:nvPr>
+        </p:nvSpPr>
+        <p:spPr/>
+        <p:txBody>
+          <a:bodyPr/>
+          <a:lstStyle/>
+          <a:p>
+            <a:endParaRPr lang="en-US"/>
+          </a:p>
+        </p:txBody>
+      </p:sp>
+      <p:sp>
+        <p:nvSpPr>
+          <p:cNvPr id="3" name="Content Placeholder 2">
+            <a:extLst>
+              <a:ext uri="{FF2B5EF4-FFF2-40B4-BE49-F238E27FC236}">
+                <a16:creationId xmlns:a16="http://schemas.microsoft.com/office/drawing/2014/main" id="{F2CE5C0E-B800-04C5-858F-7837C29B7748}"/>
+              </a:ext>
+            </a:extLst>
+          </p:cNvPr>
+          <p:cNvSpPr>
+            <a:spLocks noGrp="1"/>
+          </p:cNvSpPr>
+          <p:nvPr>
+            <p:ph idx="1"/>
+          </p:nvPr>
+        </p:nvSpPr>
+        <p:spPr>
+          <a:xfrm>
+            <a:off x="6096000" y="1825625"/>
+            <a:ext cx="5257800" cy="4351338"/>
+          </a:xfrm>
+        </p:spPr>
+        <p:txBody>
+          <a:bodyPr/>
+          <a:lstStyle/>
+          <a:p>
+            <a:endParaRPr lang="en-US" dirty="0"/>
+          </a:p>
+        </p:txBody>
+      </p:sp>
+      <p:pic>
+        <p:nvPicPr>
+          <p:cNvPr id="4" name="Picture 3">
+            <a:extLst>
+              <a:ext uri="{FF2B5EF4-FFF2-40B4-BE49-F238E27FC236}">
+                <a16:creationId xmlns:a16="http://schemas.microsoft.com/office/drawing/2014/main" id="{6EB8FCD1-A568-20EE-CACB-8D86A86189A6}"/>
+              </a:ext>
+            </a:extLst>
+          </p:cNvPr>
+          <p:cNvPicPr>
+            <a:picLocks noChangeAspect="1"/>
+          </p:cNvPicPr>
+          <p:nvPr/>
+        </p:nvPicPr>
+        <p:blipFill>
+          <a:blip r:embed="rId2">
+            <a:clrChange>
+              <a:clrFrom>
+                <a:srgbClr val="F2F2F2"/>
+              </a:clrFrom>
+              <a:clrTo>
+                <a:srgbClr val="F2F2F2">
+                  <a:alpha val="0"/>
+                </a:srgbClr>
+              </a:clrTo>
+            </a:clrChange>
+          </a:blip>
+          <a:stretch>
+            <a:fillRect/>
+          </a:stretch>
+        </p:blipFill>
+        <p:spPr>
+          <a:xfrm rot="16200000">
+            <a:off x="1759087" y="1882592"/>
+            <a:ext cx="1563048" cy="2314513"/>
+          </a:xfrm>
+          <a:prstGeom prst="rect">
+            <a:avLst/>
+          </a:prstGeom>
+        </p:spPr>
+      </p:pic>
+      <p:pic>
+        <p:nvPicPr>
+          <p:cNvPr id="6" name="Picture 5">
+            <a:extLst>
+              <a:ext uri="{FF2B5EF4-FFF2-40B4-BE49-F238E27FC236}">
+                <a16:creationId xmlns:a16="http://schemas.microsoft.com/office/drawing/2014/main" id="{71548CF8-070E-49D1-41C0-53A078928075}"/>
+              </a:ext>
+            </a:extLst>
+          </p:cNvPr>
+          <p:cNvPicPr>
+            <a:picLocks noChangeAspect="1"/>
+          </p:cNvPicPr>
+          <p:nvPr/>
+        </p:nvPicPr>
+        <p:blipFill>
+          <a:blip r:embed="rId3">
+            <a:clrChange>
+              <a:clrFrom>
+                <a:srgbClr val="F2F2F2"/>
+              </a:clrFrom>
+              <a:clrTo>
+                <a:srgbClr val="F2F2F2">
+                  <a:alpha val="0"/>
+                </a:srgbClr>
+              </a:clrTo>
+            </a:clrChange>
+          </a:blip>
+          <a:stretch>
+            <a:fillRect/>
+          </a:stretch>
+        </p:blipFill>
+        <p:spPr>
+          <a:xfrm>
+            <a:off x="1105511" y="4153694"/>
+            <a:ext cx="1872673" cy="1690377"/>
+          </a:xfrm>
+          <a:prstGeom prst="rect">
+            <a:avLst/>
+          </a:prstGeom>
+        </p:spPr>
+      </p:pic>
+    </p:spTree>
+    <p:extLst>
+      <p:ext uri="{BB962C8B-B14F-4D97-AF65-F5344CB8AC3E}">
+        <p14:creationId xmlns:p14="http://schemas.microsoft.com/office/powerpoint/2010/main" val="606101726"/>
+      </p:ext>
+    </p:extLst>
+  </p:cSld>
+  <p:clrMapOvr>
+    <a:masterClrMapping/>
+  </p:clrMapOvr>
+</p:sld>
+</file>
+
+<file path=ppt/slides/slide4.xml><?xml version="1.0" encoding="utf-8"?>
+<p:sld xmlns:a="http://schemas.openxmlformats.org/drawingml/2006/main" xmlns:r="http://schemas.openxmlformats.org/officeDocument/2006/relationships" xmlns:p="http://schemas.openxmlformats.org/presentationml/2006/main">
+  <p:cSld>
+    <p:spTree>
+      <p:nvGrpSpPr>
+        <p:cNvPr id="1" name=""/>
+        <p:cNvGrpSpPr/>
+        <p:nvPr/>
+      </p:nvGrpSpPr>
+      <p:grpSpPr>
+        <a:xfrm>
+          <a:off x="0" y="0"/>
+          <a:ext cx="0" cy="0"/>
+          <a:chOff x="0" y="0"/>
+          <a:chExt cx="0" cy="0"/>
+        </a:xfrm>
+      </p:grpSpPr>
+      <p:sp>
+        <p:nvSpPr>
+          <p:cNvPr id="9" name="Rounded Rectangle 8">
+            <a:extLst>
+              <a:ext uri="{FF2B5EF4-FFF2-40B4-BE49-F238E27FC236}">
+                <a16:creationId xmlns:a16="http://schemas.microsoft.com/office/drawing/2014/main" id="{6337EBBD-10D7-9FE4-60D3-646774F6D675}"/>
+              </a:ext>
+            </a:extLst>
+          </p:cNvPr>
+          <p:cNvSpPr/>
+          <p:nvPr/>
+        </p:nvSpPr>
+        <p:spPr>
+          <a:xfrm>
+            <a:off x="2244954" y="3131820"/>
+            <a:ext cx="1429891" cy="2090528"/>
+          </a:xfrm>
+          <a:prstGeom prst="roundRect">
+            <a:avLst>
+              <a:gd name="adj" fmla="val 4695"/>
+            </a:avLst>
+          </a:prstGeom>
+          <a:solidFill>
+            <a:schemeClr val="tx1"/>
+          </a:solidFill>
+        </p:spPr>
+        <p:style>
+          <a:lnRef idx="2">
+            <a:schemeClr val="accent1">
+              <a:shade val="15000"/>
+            </a:schemeClr>
+          </a:lnRef>
+          <a:fillRef idx="1">
+            <a:schemeClr val="accent1"/>
+          </a:fillRef>
+          <a:effectRef idx="0">
+            <a:schemeClr val="accent1"/>
+          </a:effectRef>
+          <a:fontRef idx="minor">
+            <a:schemeClr val="lt1"/>
+          </a:fontRef>
+        </p:style>
+        <p:txBody>
+          <a:bodyPr rtlCol="0" anchor="ctr"/>
+          <a:lstStyle/>
+          <a:p>
+            <a:pPr algn="ctr"/>
+            <a:endParaRPr lang="en-US"/>
+          </a:p>
+        </p:txBody>
+      </p:sp>
+      <p:sp>
+        <p:nvSpPr>
+          <p:cNvPr id="2" name="Title 1">
+            <a:extLst>
+              <a:ext uri="{FF2B5EF4-FFF2-40B4-BE49-F238E27FC236}">
+                <a16:creationId xmlns:a16="http://schemas.microsoft.com/office/drawing/2014/main" id="{CA558DBF-6F4E-7797-79C7-481DF24F0E2F}"/>
+              </a:ext>
+            </a:extLst>
+          </p:cNvPr>
+          <p:cNvSpPr>
+            <a:spLocks noGrp="1"/>
+          </p:cNvSpPr>
+          <p:nvPr>
+            <p:ph type="title"/>
+          </p:nvPr>
+        </p:nvSpPr>
+        <p:spPr>
+          <a:xfrm>
+            <a:off x="838200" y="365126"/>
+            <a:ext cx="10515600" cy="308992"/>
+          </a:xfrm>
+        </p:spPr>
+        <p:txBody>
+          <a:bodyPr>
+            <a:normAutofit fontScale="90000"/>
+          </a:bodyPr>
+          <a:lstStyle/>
+          <a:p>
+            <a:r>
+              <a:rPr lang="en-US" dirty="0"/>
+              <a:t>Breadboard Power</a:t>
+            </a:r>
+          </a:p>
+        </p:txBody>
+      </p:sp>
+      <p:pic>
+        <p:nvPicPr>
+          <p:cNvPr id="4" name="Picture 3">
+            <a:extLst>
+              <a:ext uri="{FF2B5EF4-FFF2-40B4-BE49-F238E27FC236}">
+                <a16:creationId xmlns:a16="http://schemas.microsoft.com/office/drawing/2014/main" id="{FB7A1FC5-C4D4-F446-7DFA-ECB5660570FE}"/>
+              </a:ext>
+            </a:extLst>
+          </p:cNvPr>
+          <p:cNvPicPr>
+            <a:picLocks noChangeAspect="1"/>
+          </p:cNvPicPr>
+          <p:nvPr/>
+        </p:nvPicPr>
+        <p:blipFill>
+          <a:blip r:embed="rId2"/>
+          <a:stretch>
+            <a:fillRect/>
+          </a:stretch>
+        </p:blipFill>
+        <p:spPr>
+          <a:xfrm>
+            <a:off x="4123339" y="2557107"/>
+            <a:ext cx="5092700" cy="3581400"/>
+          </a:xfrm>
+          <a:prstGeom prst="rect">
+            <a:avLst/>
+          </a:prstGeom>
+        </p:spPr>
+      </p:pic>
+      <p:grpSp>
+        <p:nvGrpSpPr>
+          <p:cNvPr id="8" name="Group 7">
+            <a:extLst>
+              <a:ext uri="{FF2B5EF4-FFF2-40B4-BE49-F238E27FC236}">
+                <a16:creationId xmlns:a16="http://schemas.microsoft.com/office/drawing/2014/main" id="{C98038F2-EFD5-C497-A765-974C2ABF66EC}"/>
+              </a:ext>
+            </a:extLst>
+          </p:cNvPr>
+          <p:cNvGrpSpPr/>
+          <p:nvPr/>
+        </p:nvGrpSpPr>
+        <p:grpSpPr>
+          <a:xfrm rot="16200000">
+            <a:off x="1686531" y="3868478"/>
+            <a:ext cx="1872675" cy="627960"/>
+            <a:chOff x="3531565" y="2686051"/>
+            <a:chExt cx="4940300" cy="1485900"/>
+          </a:xfrm>
+        </p:grpSpPr>
+        <p:pic>
+          <p:nvPicPr>
+            <p:cNvPr id="6" name="Picture 5">
+              <a:extLst>
+                <a:ext uri="{FF2B5EF4-FFF2-40B4-BE49-F238E27FC236}">
+                  <a16:creationId xmlns:a16="http://schemas.microsoft.com/office/drawing/2014/main" id="{4D77191D-F2C5-2702-904A-0C596BD199FA}"/>
+                </a:ext>
+              </a:extLst>
+            </p:cNvPr>
+            <p:cNvPicPr>
+              <a:picLocks noChangeAspect="1"/>
+            </p:cNvPicPr>
+            <p:nvPr/>
+          </p:nvPicPr>
+          <p:blipFill>
+            <a:blip r:embed="rId3">
+              <a:clrChange>
+                <a:clrFrom>
+                  <a:srgbClr val="FFFFFF"/>
+                </a:clrFrom>
+                <a:clrTo>
+                  <a:srgbClr val="FFFFFF">
+                    <a:alpha val="0"/>
+                  </a:srgbClr>
+                </a:clrTo>
+              </a:clrChange>
+            </a:blip>
+            <a:stretch>
+              <a:fillRect/>
+            </a:stretch>
+          </p:blipFill>
+          <p:spPr>
+            <a:xfrm rot="16200000">
+              <a:off x="5258765" y="958851"/>
+              <a:ext cx="1485900" cy="4940300"/>
+            </a:xfrm>
+            <a:prstGeom prst="rect">
+              <a:avLst/>
+            </a:prstGeom>
+          </p:spPr>
+        </p:pic>
+        <p:sp>
+          <p:nvSpPr>
+            <p:cNvPr id="7" name="TextBox 6">
+              <a:extLst>
+                <a:ext uri="{FF2B5EF4-FFF2-40B4-BE49-F238E27FC236}">
+                  <a16:creationId xmlns:a16="http://schemas.microsoft.com/office/drawing/2014/main" id="{22CAF9E0-F0D5-5A58-E751-C7D5EA3A4E93}"/>
+                </a:ext>
+              </a:extLst>
+            </p:cNvPr>
+            <p:cNvSpPr txBox="1"/>
+            <p:nvPr/>
+          </p:nvSpPr>
+          <p:spPr>
+            <a:xfrm>
+              <a:off x="5348753" y="3028448"/>
+              <a:ext cx="2955717" cy="801098"/>
+            </a:xfrm>
+            <a:prstGeom prst="rect">
+              <a:avLst/>
+            </a:prstGeom>
+            <a:solidFill>
+              <a:schemeClr val="tx1"/>
+            </a:solidFill>
+          </p:spPr>
+          <p:txBody>
+            <a:bodyPr wrap="square" rtlCol="0">
+              <a:spAutoFit/>
+            </a:bodyPr>
+            <a:lstStyle/>
+            <a:p>
+              <a:r>
+                <a:rPr lang="en-US" sz="1600" b="1" dirty="0">
+                  <a:solidFill>
+                    <a:schemeClr val="bg1"/>
+                  </a:solidFill>
+                  <a:latin typeface="Helvetica" pitchFamily="2" charset="0"/>
+                </a:rPr>
+                <a:t>BATTERY</a:t>
+              </a:r>
+            </a:p>
+          </p:txBody>
+        </p:sp>
+      </p:grpSp>
+      <p:grpSp>
+        <p:nvGrpSpPr>
+          <p:cNvPr id="82" name="Group 81">
+            <a:extLst>
+              <a:ext uri="{FF2B5EF4-FFF2-40B4-BE49-F238E27FC236}">
+                <a16:creationId xmlns:a16="http://schemas.microsoft.com/office/drawing/2014/main" id="{ED30E147-D115-972D-2FF2-A97834C8A377}"/>
+              </a:ext>
+            </a:extLst>
+          </p:cNvPr>
+          <p:cNvGrpSpPr/>
+          <p:nvPr/>
+        </p:nvGrpSpPr>
+        <p:grpSpPr>
+          <a:xfrm rot="5400000">
+            <a:off x="2311742" y="3849329"/>
+            <a:ext cx="1872675" cy="627960"/>
+            <a:chOff x="3531567" y="2686049"/>
+            <a:chExt cx="4940301" cy="1485901"/>
+          </a:xfrm>
+        </p:grpSpPr>
+        <p:pic>
+          <p:nvPicPr>
+            <p:cNvPr id="83" name="Picture 82">
+              <a:extLst>
+                <a:ext uri="{FF2B5EF4-FFF2-40B4-BE49-F238E27FC236}">
+                  <a16:creationId xmlns:a16="http://schemas.microsoft.com/office/drawing/2014/main" id="{8E36D470-F50A-86D1-E75D-EDD203AD7162}"/>
+                </a:ext>
+              </a:extLst>
+            </p:cNvPr>
+            <p:cNvPicPr>
+              <a:picLocks noChangeAspect="1"/>
+            </p:cNvPicPr>
+            <p:nvPr/>
+          </p:nvPicPr>
+          <p:blipFill>
+            <a:blip r:embed="rId3">
+              <a:clrChange>
+                <a:clrFrom>
+                  <a:srgbClr val="FFFFFF"/>
+                </a:clrFrom>
+                <a:clrTo>
+                  <a:srgbClr val="FFFFFF">
+                    <a:alpha val="0"/>
+                  </a:srgbClr>
+                </a:clrTo>
+              </a:clrChange>
+            </a:blip>
+            <a:stretch>
+              <a:fillRect/>
+            </a:stretch>
+          </p:blipFill>
+          <p:spPr>
+            <a:xfrm rot="16200000">
+              <a:off x="5258767" y="958849"/>
+              <a:ext cx="1485901" cy="4940301"/>
+            </a:xfrm>
+            <a:prstGeom prst="rect">
+              <a:avLst/>
+            </a:prstGeom>
+          </p:spPr>
+        </p:pic>
+        <p:sp>
+          <p:nvSpPr>
+            <p:cNvPr id="84" name="TextBox 83">
+              <a:extLst>
+                <a:ext uri="{FF2B5EF4-FFF2-40B4-BE49-F238E27FC236}">
+                  <a16:creationId xmlns:a16="http://schemas.microsoft.com/office/drawing/2014/main" id="{EEBC74D0-7D72-F40C-2457-F7F5B292B3B1}"/>
+                </a:ext>
+              </a:extLst>
+            </p:cNvPr>
+            <p:cNvSpPr txBox="1"/>
+            <p:nvPr/>
+          </p:nvSpPr>
+          <p:spPr>
+            <a:xfrm>
+              <a:off x="5348753" y="3028448"/>
+              <a:ext cx="2955717" cy="801098"/>
+            </a:xfrm>
+            <a:prstGeom prst="rect">
+              <a:avLst/>
+            </a:prstGeom>
+            <a:solidFill>
+              <a:schemeClr val="tx1"/>
+            </a:solidFill>
+          </p:spPr>
+          <p:txBody>
+            <a:bodyPr wrap="square" rtlCol="0">
+              <a:spAutoFit/>
+            </a:bodyPr>
+            <a:lstStyle/>
+            <a:p>
+              <a:r>
+                <a:rPr lang="en-US" sz="1600" b="1" dirty="0">
+                  <a:solidFill>
+                    <a:schemeClr val="bg1"/>
+                  </a:solidFill>
+                  <a:latin typeface="Helvetica" pitchFamily="2" charset="0"/>
+                </a:rPr>
+                <a:t>BATTERY</a:t>
+              </a:r>
+            </a:p>
+          </p:txBody>
+        </p:sp>
+      </p:grpSp>
+      <p:sp>
+        <p:nvSpPr>
+          <p:cNvPr id="86" name="Rectangle 85">
+            <a:extLst>
+              <a:ext uri="{FF2B5EF4-FFF2-40B4-BE49-F238E27FC236}">
+                <a16:creationId xmlns:a16="http://schemas.microsoft.com/office/drawing/2014/main" id="{3EDFCBC8-95F8-F206-532C-66E9B85BAF32}"/>
+              </a:ext>
+            </a:extLst>
+          </p:cNvPr>
+          <p:cNvSpPr/>
+          <p:nvPr/>
+        </p:nvSpPr>
+        <p:spPr>
+          <a:xfrm>
+            <a:off x="2269364" y="3265270"/>
+            <a:ext cx="63929" cy="1834376"/>
+          </a:xfrm>
+          <a:prstGeom prst="rect">
+            <a:avLst/>
+          </a:prstGeom>
+          <a:solidFill>
+            <a:schemeClr val="tx1"/>
+          </a:solidFill>
+          <a:ln>
+            <a:noFill/>
+          </a:ln>
+        </p:spPr>
+        <p:style>
+          <a:lnRef idx="2">
+            <a:schemeClr val="accent1">
+              <a:shade val="15000"/>
+            </a:schemeClr>
+          </a:lnRef>
+          <a:fillRef idx="1">
+            <a:schemeClr val="accent1"/>
+          </a:fillRef>
+          <a:effectRef idx="0">
+            <a:schemeClr val="accent1"/>
+          </a:effectRef>
+          <a:fontRef idx="minor">
+            <a:schemeClr val="lt1"/>
+          </a:fontRef>
+        </p:style>
+        <p:txBody>
+          <a:bodyPr rtlCol="0" anchor="ctr"/>
+          <a:lstStyle/>
+          <a:p>
+            <a:pPr algn="ctr"/>
+            <a:endParaRPr lang="en-US"/>
+          </a:p>
+        </p:txBody>
+      </p:sp>
+      <p:sp>
+        <p:nvSpPr>
+          <p:cNvPr id="87" name="Rectangle 86">
+            <a:extLst>
+              <a:ext uri="{FF2B5EF4-FFF2-40B4-BE49-F238E27FC236}">
+                <a16:creationId xmlns:a16="http://schemas.microsoft.com/office/drawing/2014/main" id="{B64284C1-1329-4D35-5CC6-8C062FA7941F}"/>
+              </a:ext>
+            </a:extLst>
+          </p:cNvPr>
+          <p:cNvSpPr/>
+          <p:nvPr/>
+        </p:nvSpPr>
+        <p:spPr>
+          <a:xfrm>
+            <a:off x="3527347" y="3274846"/>
+            <a:ext cx="63929" cy="1834376"/>
+          </a:xfrm>
+          <a:prstGeom prst="rect">
+            <a:avLst/>
+          </a:prstGeom>
+          <a:solidFill>
+            <a:schemeClr val="tx1"/>
+          </a:solidFill>
+          <a:ln>
+            <a:noFill/>
+          </a:ln>
+        </p:spPr>
+        <p:style>
+          <a:lnRef idx="2">
+            <a:schemeClr val="accent1">
+              <a:shade val="15000"/>
+            </a:schemeClr>
+          </a:lnRef>
+          <a:fillRef idx="1">
+            <a:schemeClr val="accent1"/>
+          </a:fillRef>
+          <a:effectRef idx="0">
+            <a:schemeClr val="accent1"/>
+          </a:effectRef>
+          <a:fontRef idx="minor">
+            <a:schemeClr val="lt1"/>
+          </a:fontRef>
+        </p:style>
+        <p:txBody>
+          <a:bodyPr rtlCol="0" anchor="ctr"/>
+          <a:lstStyle/>
+          <a:p>
+            <a:pPr algn="ctr"/>
+            <a:endParaRPr lang="en-US"/>
+          </a:p>
+        </p:txBody>
+      </p:sp>
+      <p:cxnSp>
+        <p:nvCxnSpPr>
+          <p:cNvPr id="89" name="Curved Connector 88">
+            <a:extLst>
+              <a:ext uri="{FF2B5EF4-FFF2-40B4-BE49-F238E27FC236}">
+                <a16:creationId xmlns:a16="http://schemas.microsoft.com/office/drawing/2014/main" id="{07B39FCE-7787-C9F0-9443-1BC1B922F20A}"/>
+              </a:ext>
+            </a:extLst>
+          </p:cNvPr>
+          <p:cNvCxnSpPr>
+            <a:cxnSpLocks/>
+            <a:stCxn id="9" idx="0"/>
+          </p:cNvCxnSpPr>
+          <p:nvPr/>
+        </p:nvCxnSpPr>
+        <p:spPr>
+          <a:xfrm rot="5400000" flipH="1" flipV="1">
+            <a:off x="3607946" y="2210658"/>
+            <a:ext cx="273117" cy="1569209"/>
+          </a:xfrm>
+          <a:prstGeom prst="curvedConnector2">
+            <a:avLst/>
+          </a:prstGeom>
+          <a:ln w="38100">
+            <a:solidFill>
+              <a:srgbClr val="FF0000"/>
+            </a:solidFill>
+          </a:ln>
+        </p:spPr>
+        <p:style>
+          <a:lnRef idx="1">
+            <a:schemeClr val="accent1"/>
+          </a:lnRef>
+          <a:fillRef idx="0">
+            <a:schemeClr val="accent1"/>
+          </a:fillRef>
+          <a:effectRef idx="0">
+            <a:schemeClr val="accent1"/>
+          </a:effectRef>
+          <a:fontRef idx="minor">
+            <a:schemeClr val="tx1"/>
+          </a:fontRef>
+        </p:style>
+      </p:cxnSp>
+      <p:sp>
+        <p:nvSpPr>
+          <p:cNvPr id="99" name="Freeform 98">
+            <a:extLst>
+              <a:ext uri="{FF2B5EF4-FFF2-40B4-BE49-F238E27FC236}">
+                <a16:creationId xmlns:a16="http://schemas.microsoft.com/office/drawing/2014/main" id="{C352A38E-49DA-FCAC-F929-22C2E1206591}"/>
+              </a:ext>
+            </a:extLst>
+          </p:cNvPr>
+          <p:cNvSpPr/>
+          <p:nvPr/>
+        </p:nvSpPr>
+        <p:spPr>
+          <a:xfrm flipV="1">
+            <a:off x="2975961" y="5157096"/>
+            <a:ext cx="1553148" cy="642208"/>
+          </a:xfrm>
+          <a:custGeom>
+            <a:avLst/>
+            <a:gdLst>
+              <a:gd name="connsiteX0" fmla="*/ 0 w 1188720"/>
+              <a:gd name="connsiteY0" fmla="*/ 133939 h 133939"/>
+              <a:gd name="connsiteX1" fmla="*/ 160020 w 1188720"/>
+              <a:gd name="connsiteY1" fmla="*/ 50119 h 133939"/>
+              <a:gd name="connsiteX2" fmla="*/ 579120 w 1188720"/>
+              <a:gd name="connsiteY2" fmla="*/ 4399 h 133939"/>
+              <a:gd name="connsiteX3" fmla="*/ 1188720 w 1188720"/>
+              <a:gd name="connsiteY3" fmla="*/ 4399 h 133939"/>
+            </a:gdLst>
+            <a:ahLst/>
+            <a:cxnLst>
+              <a:cxn ang="0">
+                <a:pos x="connsiteX0" y="connsiteY0"/>
+              </a:cxn>
+              <a:cxn ang="0">
+                <a:pos x="connsiteX1" y="connsiteY1"/>
+              </a:cxn>
+              <a:cxn ang="0">
+                <a:pos x="connsiteX2" y="connsiteY2"/>
+              </a:cxn>
+              <a:cxn ang="0">
+                <a:pos x="connsiteX3" y="connsiteY3"/>
+              </a:cxn>
+            </a:cxnLst>
+            <a:rect l="l" t="t" r="r" b="b"/>
+            <a:pathLst>
+              <a:path w="1188720" h="133939">
+                <a:moveTo>
+                  <a:pt x="0" y="133939"/>
+                </a:moveTo>
+                <a:cubicBezTo>
+                  <a:pt x="31750" y="102824"/>
+                  <a:pt x="63500" y="71709"/>
+                  <a:pt x="160020" y="50119"/>
+                </a:cubicBezTo>
+                <a:cubicBezTo>
+                  <a:pt x="256540" y="28529"/>
+                  <a:pt x="407670" y="12019"/>
+                  <a:pt x="579120" y="4399"/>
+                </a:cubicBezTo>
+                <a:cubicBezTo>
+                  <a:pt x="750570" y="-3221"/>
+                  <a:pt x="969645" y="589"/>
+                  <a:pt x="1188720" y="4399"/>
+                </a:cubicBezTo>
+              </a:path>
+            </a:pathLst>
+          </a:custGeom>
+          <a:noFill/>
+          <a:ln w="38100"/>
+        </p:spPr>
+        <p:style>
+          <a:lnRef idx="2">
+            <a:schemeClr val="accent1">
+              <a:shade val="15000"/>
+            </a:schemeClr>
+          </a:lnRef>
+          <a:fillRef idx="1">
+            <a:schemeClr val="accent1"/>
+          </a:fillRef>
+          <a:effectRef idx="0">
+            <a:schemeClr val="accent1"/>
+          </a:effectRef>
+          <a:fontRef idx="minor">
+            <a:schemeClr val="lt1"/>
+          </a:fontRef>
+        </p:style>
+        <p:txBody>
+          <a:bodyPr rtlCol="0" anchor="ctr"/>
+          <a:lstStyle/>
+          <a:p>
+            <a:pPr algn="ctr"/>
+            <a:endParaRPr lang="en-US"/>
+          </a:p>
+        </p:txBody>
+      </p:sp>
+    </p:spTree>
+    <p:extLst>
+      <p:ext uri="{BB962C8B-B14F-4D97-AF65-F5344CB8AC3E}">
+        <p14:creationId xmlns:p14="http://schemas.microsoft.com/office/powerpoint/2010/main" val="223925532"/>
+      </p:ext>
+    </p:extLst>
+  </p:cSld>
+  <p:clrMapOvr>
+    <a:masterClrMapping/>
+  </p:clrMapOvr>
+</p:sld>
+</file>
+
+<file path=ppt/slides/slide5.xml><?xml version="1.0" encoding="utf-8"?>
+<p:sld xmlns:a="http://schemas.openxmlformats.org/drawingml/2006/main" xmlns:r="http://schemas.openxmlformats.org/officeDocument/2006/relationships" xmlns:p="http://schemas.openxmlformats.org/presentationml/2006/main">
+  <p:cSld>
+    <p:spTree>
+      <p:nvGrpSpPr>
+        <p:cNvPr id="1" name=""/>
+        <p:cNvGrpSpPr/>
+        <p:nvPr/>
+      </p:nvGrpSpPr>
+      <p:grpSpPr>
+        <a:xfrm>
+          <a:off x="0" y="0"/>
+          <a:ext cx="0" cy="0"/>
+          <a:chOff x="0" y="0"/>
+          <a:chExt cx="0" cy="0"/>
+        </a:xfrm>
+      </p:grpSpPr>
+      <p:sp>
+        <p:nvSpPr>
+          <p:cNvPr id="9" name="Rounded Rectangle 8">
+            <a:extLst>
+              <a:ext uri="{FF2B5EF4-FFF2-40B4-BE49-F238E27FC236}">
+                <a16:creationId xmlns:a16="http://schemas.microsoft.com/office/drawing/2014/main" id="{6337EBBD-10D7-9FE4-60D3-646774F6D675}"/>
+              </a:ext>
+            </a:extLst>
+          </p:cNvPr>
+          <p:cNvSpPr/>
+          <p:nvPr/>
+        </p:nvSpPr>
+        <p:spPr>
+          <a:xfrm>
+            <a:off x="2244954" y="3131820"/>
+            <a:ext cx="1429891" cy="2090528"/>
+          </a:xfrm>
+          <a:prstGeom prst="roundRect">
+            <a:avLst>
+              <a:gd name="adj" fmla="val 4695"/>
+            </a:avLst>
+          </a:prstGeom>
+          <a:solidFill>
+            <a:schemeClr val="tx1"/>
+          </a:solidFill>
+        </p:spPr>
+        <p:style>
+          <a:lnRef idx="2">
+            <a:schemeClr val="accent1">
+              <a:shade val="15000"/>
+            </a:schemeClr>
+          </a:lnRef>
+          <a:fillRef idx="1">
+            <a:schemeClr val="accent1"/>
+          </a:fillRef>
+          <a:effectRef idx="0">
+            <a:schemeClr val="accent1"/>
+          </a:effectRef>
+          <a:fontRef idx="minor">
+            <a:schemeClr val="lt1"/>
+          </a:fontRef>
+        </p:style>
+        <p:txBody>
+          <a:bodyPr rtlCol="0" anchor="ctr"/>
+          <a:lstStyle/>
+          <a:p>
+            <a:pPr algn="ctr"/>
+            <a:endParaRPr lang="en-US"/>
+          </a:p>
+        </p:txBody>
+      </p:sp>
+      <p:sp>
+        <p:nvSpPr>
+          <p:cNvPr id="2" name="Title 1">
+            <a:extLst>
+              <a:ext uri="{FF2B5EF4-FFF2-40B4-BE49-F238E27FC236}">
+                <a16:creationId xmlns:a16="http://schemas.microsoft.com/office/drawing/2014/main" id="{CA558DBF-6F4E-7797-79C7-481DF24F0E2F}"/>
+              </a:ext>
+            </a:extLst>
+          </p:cNvPr>
+          <p:cNvSpPr>
+            <a:spLocks noGrp="1"/>
+          </p:cNvSpPr>
+          <p:nvPr>
+            <p:ph type="title"/>
+          </p:nvPr>
+        </p:nvSpPr>
+        <p:spPr>
+          <a:xfrm>
+            <a:off x="838200" y="365126"/>
+            <a:ext cx="10515600" cy="308992"/>
+          </a:xfrm>
+        </p:spPr>
+        <p:txBody>
+          <a:bodyPr>
+            <a:normAutofit fontScale="90000"/>
+          </a:bodyPr>
+          <a:lstStyle/>
+          <a:p>
+            <a:r>
+              <a:rPr lang="en-US" dirty="0"/>
+              <a:t>LED Circuit</a:t>
+            </a:r>
+          </a:p>
+        </p:txBody>
+      </p:sp>
+      <p:pic>
+        <p:nvPicPr>
+          <p:cNvPr id="4" name="Picture 3">
+            <a:extLst>
+              <a:ext uri="{FF2B5EF4-FFF2-40B4-BE49-F238E27FC236}">
+                <a16:creationId xmlns:a16="http://schemas.microsoft.com/office/drawing/2014/main" id="{FB7A1FC5-C4D4-F446-7DFA-ECB5660570FE}"/>
+              </a:ext>
+            </a:extLst>
+          </p:cNvPr>
+          <p:cNvPicPr>
+            <a:picLocks noChangeAspect="1"/>
+          </p:cNvPicPr>
+          <p:nvPr/>
+        </p:nvPicPr>
+        <p:blipFill>
+          <a:blip r:embed="rId2"/>
+          <a:stretch>
+            <a:fillRect/>
+          </a:stretch>
+        </p:blipFill>
+        <p:spPr>
+          <a:xfrm>
+            <a:off x="4123339" y="2557107"/>
+            <a:ext cx="5092700" cy="3581400"/>
+          </a:xfrm>
+          <a:prstGeom prst="rect">
+            <a:avLst/>
+          </a:prstGeom>
+        </p:spPr>
+      </p:pic>
+      <p:grpSp>
+        <p:nvGrpSpPr>
+          <p:cNvPr id="8" name="Group 7">
+            <a:extLst>
+              <a:ext uri="{FF2B5EF4-FFF2-40B4-BE49-F238E27FC236}">
+                <a16:creationId xmlns:a16="http://schemas.microsoft.com/office/drawing/2014/main" id="{C98038F2-EFD5-C497-A765-974C2ABF66EC}"/>
+              </a:ext>
+            </a:extLst>
+          </p:cNvPr>
+          <p:cNvGrpSpPr/>
+          <p:nvPr/>
+        </p:nvGrpSpPr>
+        <p:grpSpPr>
+          <a:xfrm rot="16200000">
+            <a:off x="1686531" y="3868478"/>
+            <a:ext cx="1872675" cy="627960"/>
+            <a:chOff x="3531565" y="2686051"/>
+            <a:chExt cx="4940300" cy="1485900"/>
+          </a:xfrm>
+        </p:grpSpPr>
+        <p:pic>
+          <p:nvPicPr>
+            <p:cNvPr id="6" name="Picture 5">
+              <a:extLst>
+                <a:ext uri="{FF2B5EF4-FFF2-40B4-BE49-F238E27FC236}">
+                  <a16:creationId xmlns:a16="http://schemas.microsoft.com/office/drawing/2014/main" id="{4D77191D-F2C5-2702-904A-0C596BD199FA}"/>
+                </a:ext>
+              </a:extLst>
+            </p:cNvPr>
+            <p:cNvPicPr>
+              <a:picLocks noChangeAspect="1"/>
+            </p:cNvPicPr>
+            <p:nvPr/>
+          </p:nvPicPr>
+          <p:blipFill>
+            <a:blip r:embed="rId3">
+              <a:clrChange>
+                <a:clrFrom>
+                  <a:srgbClr val="FFFFFF"/>
+                </a:clrFrom>
+                <a:clrTo>
+                  <a:srgbClr val="FFFFFF">
+                    <a:alpha val="0"/>
+                  </a:srgbClr>
+                </a:clrTo>
+              </a:clrChange>
+            </a:blip>
+            <a:stretch>
+              <a:fillRect/>
+            </a:stretch>
+          </p:blipFill>
+          <p:spPr>
+            <a:xfrm rot="16200000">
+              <a:off x="5258765" y="958851"/>
+              <a:ext cx="1485900" cy="4940300"/>
+            </a:xfrm>
+            <a:prstGeom prst="rect">
+              <a:avLst/>
+            </a:prstGeom>
+          </p:spPr>
+        </p:pic>
+        <p:sp>
+          <p:nvSpPr>
+            <p:cNvPr id="7" name="TextBox 6">
+              <a:extLst>
+                <a:ext uri="{FF2B5EF4-FFF2-40B4-BE49-F238E27FC236}">
+                  <a16:creationId xmlns:a16="http://schemas.microsoft.com/office/drawing/2014/main" id="{22CAF9E0-F0D5-5A58-E751-C7D5EA3A4E93}"/>
+                </a:ext>
+              </a:extLst>
+            </p:cNvPr>
+            <p:cNvSpPr txBox="1"/>
+            <p:nvPr/>
+          </p:nvSpPr>
+          <p:spPr>
+            <a:xfrm>
+              <a:off x="5348753" y="3028448"/>
+              <a:ext cx="2955717" cy="801098"/>
+            </a:xfrm>
+            <a:prstGeom prst="rect">
+              <a:avLst/>
+            </a:prstGeom>
+            <a:solidFill>
+              <a:schemeClr val="tx1"/>
+            </a:solidFill>
+          </p:spPr>
+          <p:txBody>
+            <a:bodyPr wrap="square" rtlCol="0">
+              <a:spAutoFit/>
+            </a:bodyPr>
+            <a:lstStyle/>
+            <a:p>
+              <a:r>
+                <a:rPr lang="en-US" sz="1600" b="1" dirty="0">
+                  <a:solidFill>
+                    <a:schemeClr val="bg1"/>
+                  </a:solidFill>
+                  <a:latin typeface="Helvetica" pitchFamily="2" charset="0"/>
+                </a:rPr>
+                <a:t>BATTERY</a:t>
+              </a:r>
+            </a:p>
+          </p:txBody>
+        </p:sp>
+      </p:grpSp>
+      <p:grpSp>
+        <p:nvGrpSpPr>
+          <p:cNvPr id="82" name="Group 81">
+            <a:extLst>
+              <a:ext uri="{FF2B5EF4-FFF2-40B4-BE49-F238E27FC236}">
+                <a16:creationId xmlns:a16="http://schemas.microsoft.com/office/drawing/2014/main" id="{ED30E147-D115-972D-2FF2-A97834C8A377}"/>
+              </a:ext>
+            </a:extLst>
+          </p:cNvPr>
+          <p:cNvGrpSpPr/>
+          <p:nvPr/>
+        </p:nvGrpSpPr>
+        <p:grpSpPr>
+          <a:xfrm rot="5400000">
+            <a:off x="2311742" y="3849329"/>
+            <a:ext cx="1872675" cy="627960"/>
+            <a:chOff x="3531567" y="2686049"/>
+            <a:chExt cx="4940301" cy="1485901"/>
+          </a:xfrm>
+        </p:grpSpPr>
+        <p:pic>
+          <p:nvPicPr>
+            <p:cNvPr id="83" name="Picture 82">
+              <a:extLst>
+                <a:ext uri="{FF2B5EF4-FFF2-40B4-BE49-F238E27FC236}">
+                  <a16:creationId xmlns:a16="http://schemas.microsoft.com/office/drawing/2014/main" id="{8E36D470-F50A-86D1-E75D-EDD203AD7162}"/>
+                </a:ext>
+              </a:extLst>
+            </p:cNvPr>
+            <p:cNvPicPr>
+              <a:picLocks noChangeAspect="1"/>
+            </p:cNvPicPr>
+            <p:nvPr/>
+          </p:nvPicPr>
+          <p:blipFill>
+            <a:blip r:embed="rId3">
+              <a:clrChange>
+                <a:clrFrom>
+                  <a:srgbClr val="FFFFFF"/>
+                </a:clrFrom>
+                <a:clrTo>
+                  <a:srgbClr val="FFFFFF">
+                    <a:alpha val="0"/>
+                  </a:srgbClr>
+                </a:clrTo>
+              </a:clrChange>
+            </a:blip>
+            <a:stretch>
+              <a:fillRect/>
+            </a:stretch>
+          </p:blipFill>
+          <p:spPr>
+            <a:xfrm rot="16200000">
+              <a:off x="5258767" y="958849"/>
+              <a:ext cx="1485901" cy="4940301"/>
+            </a:xfrm>
+            <a:prstGeom prst="rect">
+              <a:avLst/>
+            </a:prstGeom>
+          </p:spPr>
+        </p:pic>
+        <p:sp>
+          <p:nvSpPr>
+            <p:cNvPr id="84" name="TextBox 83">
+              <a:extLst>
+                <a:ext uri="{FF2B5EF4-FFF2-40B4-BE49-F238E27FC236}">
+                  <a16:creationId xmlns:a16="http://schemas.microsoft.com/office/drawing/2014/main" id="{EEBC74D0-7D72-F40C-2457-F7F5B292B3B1}"/>
+                </a:ext>
+              </a:extLst>
+            </p:cNvPr>
+            <p:cNvSpPr txBox="1"/>
+            <p:nvPr/>
+          </p:nvSpPr>
+          <p:spPr>
+            <a:xfrm>
+              <a:off x="5348753" y="3028448"/>
+              <a:ext cx="2955717" cy="801098"/>
+            </a:xfrm>
+            <a:prstGeom prst="rect">
+              <a:avLst/>
+            </a:prstGeom>
+            <a:solidFill>
+              <a:schemeClr val="tx1"/>
+            </a:solidFill>
+          </p:spPr>
+          <p:txBody>
+            <a:bodyPr wrap="square" rtlCol="0">
+              <a:spAutoFit/>
+            </a:bodyPr>
+            <a:lstStyle/>
+            <a:p>
+              <a:r>
+                <a:rPr lang="en-US" sz="1600" b="1" dirty="0">
+                  <a:solidFill>
+                    <a:schemeClr val="bg1"/>
+                  </a:solidFill>
+                  <a:latin typeface="Helvetica" pitchFamily="2" charset="0"/>
+                </a:rPr>
+                <a:t>BATTERY</a:t>
+              </a:r>
+            </a:p>
+          </p:txBody>
+        </p:sp>
+      </p:grpSp>
+      <p:sp>
+        <p:nvSpPr>
+          <p:cNvPr id="86" name="Rectangle 85">
+            <a:extLst>
+              <a:ext uri="{FF2B5EF4-FFF2-40B4-BE49-F238E27FC236}">
+                <a16:creationId xmlns:a16="http://schemas.microsoft.com/office/drawing/2014/main" id="{3EDFCBC8-95F8-F206-532C-66E9B85BAF32}"/>
+              </a:ext>
+            </a:extLst>
+          </p:cNvPr>
+          <p:cNvSpPr/>
+          <p:nvPr/>
+        </p:nvSpPr>
+        <p:spPr>
+          <a:xfrm>
+            <a:off x="2269364" y="3265270"/>
+            <a:ext cx="63929" cy="1834376"/>
+          </a:xfrm>
+          <a:prstGeom prst="rect">
+            <a:avLst/>
+          </a:prstGeom>
+          <a:solidFill>
+            <a:schemeClr val="tx1"/>
+          </a:solidFill>
+          <a:ln>
+            <a:noFill/>
+          </a:ln>
+        </p:spPr>
+        <p:style>
+          <a:lnRef idx="2">
+            <a:schemeClr val="accent1">
+              <a:shade val="15000"/>
+            </a:schemeClr>
+          </a:lnRef>
+          <a:fillRef idx="1">
+            <a:schemeClr val="accent1"/>
+          </a:fillRef>
+          <a:effectRef idx="0">
+            <a:schemeClr val="accent1"/>
+          </a:effectRef>
+          <a:fontRef idx="minor">
+            <a:schemeClr val="lt1"/>
+          </a:fontRef>
+        </p:style>
+        <p:txBody>
+          <a:bodyPr rtlCol="0" anchor="ctr"/>
+          <a:lstStyle/>
+          <a:p>
+            <a:pPr algn="ctr"/>
+            <a:endParaRPr lang="en-US"/>
+          </a:p>
+        </p:txBody>
+      </p:sp>
+      <p:sp>
+        <p:nvSpPr>
+          <p:cNvPr id="87" name="Rectangle 86">
+            <a:extLst>
+              <a:ext uri="{FF2B5EF4-FFF2-40B4-BE49-F238E27FC236}">
+                <a16:creationId xmlns:a16="http://schemas.microsoft.com/office/drawing/2014/main" id="{B64284C1-1329-4D35-5CC6-8C062FA7941F}"/>
+              </a:ext>
+            </a:extLst>
+          </p:cNvPr>
+          <p:cNvSpPr/>
+          <p:nvPr/>
+        </p:nvSpPr>
+        <p:spPr>
+          <a:xfrm>
+            <a:off x="3527347" y="3274846"/>
+            <a:ext cx="63929" cy="1834376"/>
+          </a:xfrm>
+          <a:prstGeom prst="rect">
+            <a:avLst/>
+          </a:prstGeom>
+          <a:solidFill>
+            <a:schemeClr val="tx1"/>
+          </a:solidFill>
+          <a:ln>
+            <a:noFill/>
+          </a:ln>
+        </p:spPr>
+        <p:style>
+          <a:lnRef idx="2">
+            <a:schemeClr val="accent1">
+              <a:shade val="15000"/>
+            </a:schemeClr>
+          </a:lnRef>
+          <a:fillRef idx="1">
+            <a:schemeClr val="accent1"/>
+          </a:fillRef>
+          <a:effectRef idx="0">
+            <a:schemeClr val="accent1"/>
+          </a:effectRef>
+          <a:fontRef idx="minor">
+            <a:schemeClr val="lt1"/>
+          </a:fontRef>
+        </p:style>
+        <p:txBody>
+          <a:bodyPr rtlCol="0" anchor="ctr"/>
+          <a:lstStyle/>
+          <a:p>
+            <a:pPr algn="ctr"/>
+            <a:endParaRPr lang="en-US"/>
+          </a:p>
+        </p:txBody>
+      </p:sp>
+      <p:cxnSp>
+        <p:nvCxnSpPr>
+          <p:cNvPr id="89" name="Curved Connector 88">
+            <a:extLst>
+              <a:ext uri="{FF2B5EF4-FFF2-40B4-BE49-F238E27FC236}">
+                <a16:creationId xmlns:a16="http://schemas.microsoft.com/office/drawing/2014/main" id="{07B39FCE-7787-C9F0-9443-1BC1B922F20A}"/>
+              </a:ext>
+            </a:extLst>
+          </p:cNvPr>
+          <p:cNvCxnSpPr>
+            <a:cxnSpLocks/>
+            <a:stCxn id="9" idx="0"/>
+          </p:cNvCxnSpPr>
+          <p:nvPr/>
+        </p:nvCxnSpPr>
+        <p:spPr>
+          <a:xfrm rot="5400000" flipH="1" flipV="1">
+            <a:off x="3607946" y="2210658"/>
+            <a:ext cx="273117" cy="1569209"/>
+          </a:xfrm>
+          <a:prstGeom prst="curvedConnector2">
+            <a:avLst/>
+          </a:prstGeom>
+          <a:ln w="38100">
+            <a:solidFill>
+              <a:srgbClr val="FF0000"/>
+            </a:solidFill>
+          </a:ln>
+        </p:spPr>
+        <p:style>
+          <a:lnRef idx="1">
+            <a:schemeClr val="accent1"/>
+          </a:lnRef>
+          <a:fillRef idx="0">
+            <a:schemeClr val="accent1"/>
+          </a:fillRef>
+          <a:effectRef idx="0">
+            <a:schemeClr val="accent1"/>
+          </a:effectRef>
+          <a:fontRef idx="minor">
+            <a:schemeClr val="tx1"/>
+          </a:fontRef>
+        </p:style>
+      </p:cxnSp>
+      <p:sp>
+        <p:nvSpPr>
+          <p:cNvPr id="99" name="Freeform 98">
+            <a:extLst>
+              <a:ext uri="{FF2B5EF4-FFF2-40B4-BE49-F238E27FC236}">
+                <a16:creationId xmlns:a16="http://schemas.microsoft.com/office/drawing/2014/main" id="{C352A38E-49DA-FCAC-F929-22C2E1206591}"/>
+              </a:ext>
+            </a:extLst>
+          </p:cNvPr>
+          <p:cNvSpPr/>
+          <p:nvPr/>
+        </p:nvSpPr>
+        <p:spPr>
+          <a:xfrm flipV="1">
+            <a:off x="2975961" y="5157096"/>
+            <a:ext cx="1553148" cy="642208"/>
+          </a:xfrm>
+          <a:custGeom>
+            <a:avLst/>
+            <a:gdLst>
+              <a:gd name="connsiteX0" fmla="*/ 0 w 1188720"/>
+              <a:gd name="connsiteY0" fmla="*/ 133939 h 133939"/>
+              <a:gd name="connsiteX1" fmla="*/ 160020 w 1188720"/>
+              <a:gd name="connsiteY1" fmla="*/ 50119 h 133939"/>
+              <a:gd name="connsiteX2" fmla="*/ 579120 w 1188720"/>
+              <a:gd name="connsiteY2" fmla="*/ 4399 h 133939"/>
+              <a:gd name="connsiteX3" fmla="*/ 1188720 w 1188720"/>
+              <a:gd name="connsiteY3" fmla="*/ 4399 h 133939"/>
+            </a:gdLst>
+            <a:ahLst/>
+            <a:cxnLst>
+              <a:cxn ang="0">
+                <a:pos x="connsiteX0" y="connsiteY0"/>
+              </a:cxn>
+              <a:cxn ang="0">
+                <a:pos x="connsiteX1" y="connsiteY1"/>
+              </a:cxn>
+              <a:cxn ang="0">
+                <a:pos x="connsiteX2" y="connsiteY2"/>
+              </a:cxn>
+              <a:cxn ang="0">
+                <a:pos x="connsiteX3" y="connsiteY3"/>
+              </a:cxn>
+            </a:cxnLst>
+            <a:rect l="l" t="t" r="r" b="b"/>
+            <a:pathLst>
+              <a:path w="1188720" h="133939">
+                <a:moveTo>
+                  <a:pt x="0" y="133939"/>
+                </a:moveTo>
+                <a:cubicBezTo>
+                  <a:pt x="31750" y="102824"/>
+                  <a:pt x="63500" y="71709"/>
+                  <a:pt x="160020" y="50119"/>
+                </a:cubicBezTo>
+                <a:cubicBezTo>
+                  <a:pt x="256540" y="28529"/>
+                  <a:pt x="407670" y="12019"/>
+                  <a:pt x="579120" y="4399"/>
+                </a:cubicBezTo>
+                <a:cubicBezTo>
+                  <a:pt x="750570" y="-3221"/>
+                  <a:pt x="969645" y="589"/>
+                  <a:pt x="1188720" y="4399"/>
+                </a:cubicBezTo>
+              </a:path>
+            </a:pathLst>
+          </a:custGeom>
+          <a:noFill/>
+          <a:ln w="38100"/>
+        </p:spPr>
+        <p:style>
+          <a:lnRef idx="2">
+            <a:schemeClr val="accent1">
+              <a:shade val="15000"/>
+            </a:schemeClr>
+          </a:lnRef>
+          <a:fillRef idx="1">
+            <a:schemeClr val="accent1"/>
+          </a:fillRef>
+          <a:effectRef idx="0">
+            <a:schemeClr val="accent1"/>
+          </a:effectRef>
+          <a:fontRef idx="minor">
+            <a:schemeClr val="lt1"/>
+          </a:fontRef>
+        </p:style>
+        <p:txBody>
+          <a:bodyPr rtlCol="0" anchor="ctr"/>
+          <a:lstStyle/>
+          <a:p>
+            <a:pPr algn="ctr"/>
+            <a:endParaRPr lang="en-US"/>
+          </a:p>
+        </p:txBody>
+      </p:sp>
+      <p:grpSp>
+        <p:nvGrpSpPr>
+          <p:cNvPr id="113" name="Group 112">
+            <a:extLst>
+              <a:ext uri="{FF2B5EF4-FFF2-40B4-BE49-F238E27FC236}">
+                <a16:creationId xmlns:a16="http://schemas.microsoft.com/office/drawing/2014/main" id="{68A4E949-BFF2-52CC-F9C7-F9A0FC581E4B}"/>
+              </a:ext>
+            </a:extLst>
+          </p:cNvPr>
+          <p:cNvGrpSpPr/>
+          <p:nvPr/>
+        </p:nvGrpSpPr>
+        <p:grpSpPr>
+          <a:xfrm>
+            <a:off x="5539612" y="4070663"/>
+            <a:ext cx="1405845" cy="500902"/>
+            <a:chOff x="5859005" y="2038328"/>
+            <a:chExt cx="1755858" cy="701658"/>
+          </a:xfrm>
+        </p:grpSpPr>
+        <p:cxnSp>
+          <p:nvCxnSpPr>
+            <p:cNvPr id="102" name="Google Shape;378;p44">
+              <a:extLst>
+                <a:ext uri="{FF2B5EF4-FFF2-40B4-BE49-F238E27FC236}">
+                  <a16:creationId xmlns:a16="http://schemas.microsoft.com/office/drawing/2014/main" id="{6F87A94C-5485-28DD-7853-F5FD2F40F9A5}"/>
+                </a:ext>
+              </a:extLst>
+            </p:cNvPr>
+            <p:cNvCxnSpPr>
+              <a:cxnSpLocks/>
+            </p:cNvCxnSpPr>
+            <p:nvPr/>
+          </p:nvCxnSpPr>
+          <p:spPr>
+            <a:xfrm flipH="1" flipV="1">
+              <a:off x="6685596" y="2109235"/>
+              <a:ext cx="271143" cy="178623"/>
+            </a:xfrm>
+            <a:prstGeom prst="straightConnector1">
+              <a:avLst/>
+            </a:prstGeom>
+            <a:noFill/>
+            <a:ln w="63500" cap="flat" cmpd="sng">
+              <a:solidFill>
+                <a:schemeClr val="tx1">
+                  <a:lumMod val="50000"/>
+                  <a:lumOff val="50000"/>
+                </a:schemeClr>
+              </a:solidFill>
+              <a:prstDash val="solid"/>
+              <a:round/>
+              <a:headEnd type="none" w="med" len="med"/>
+              <a:tailEnd type="none" w="med" len="med"/>
+            </a:ln>
+          </p:spPr>
+        </p:cxnSp>
+        <p:sp>
+          <p:nvSpPr>
+            <p:cNvPr id="103" name="Google Shape;381;p44">
+              <a:extLst>
+                <a:ext uri="{FF2B5EF4-FFF2-40B4-BE49-F238E27FC236}">
+                  <a16:creationId xmlns:a16="http://schemas.microsoft.com/office/drawing/2014/main" id="{B33AADF7-ABC3-999D-B5E0-B9CB3F030935}"/>
+                </a:ext>
+              </a:extLst>
+            </p:cNvPr>
+            <p:cNvSpPr/>
+            <p:nvPr/>
+          </p:nvSpPr>
+          <p:spPr>
+            <a:xfrm rot="5400000" flipH="1">
+              <a:off x="6934156" y="2072753"/>
+              <a:ext cx="432813" cy="538800"/>
+            </a:xfrm>
+            <a:prstGeom prst="can">
+              <a:avLst>
+                <a:gd name="adj" fmla="val 25000"/>
+              </a:avLst>
+            </a:prstGeom>
+            <a:solidFill>
+              <a:srgbClr val="FF0000"/>
+            </a:solidFill>
+            <a:ln w="9525" cap="flat" cmpd="sng">
+              <a:solidFill>
+                <a:schemeClr val="dk2"/>
+              </a:solidFill>
+              <a:prstDash val="solid"/>
+              <a:round/>
+              <a:headEnd type="none" w="sm" len="sm"/>
+              <a:tailEnd type="none" w="sm" len="sm"/>
+            </a:ln>
+          </p:spPr>
+          <p:txBody>
+            <a:bodyPr spcFirstLastPara="1" wrap="square" lIns="91425" tIns="91425" rIns="91425" bIns="91425" anchor="ctr" anchorCtr="0">
+              <a:noAutofit/>
+            </a:bodyPr>
+            <a:lstStyle/>
+            <a:p>
+              <a:pPr marL="0" lvl="0" indent="0" algn="l" rtl="0">
+                <a:spcBef>
+                  <a:spcPts val="0"/>
+                </a:spcBef>
+                <a:spcAft>
+                  <a:spcPts val="0"/>
+                </a:spcAft>
+                <a:buNone/>
+              </a:pPr>
+              <a:endParaRPr/>
+            </a:p>
+          </p:txBody>
+        </p:sp>
+        <p:cxnSp>
+          <p:nvCxnSpPr>
+            <p:cNvPr id="104" name="Google Shape;382;p44">
+              <a:extLst>
+                <a:ext uri="{FF2B5EF4-FFF2-40B4-BE49-F238E27FC236}">
+                  <a16:creationId xmlns:a16="http://schemas.microsoft.com/office/drawing/2014/main" id="{B39F44B8-7022-4943-122B-49B57A7E11C7}"/>
+                </a:ext>
+              </a:extLst>
+            </p:cNvPr>
+            <p:cNvCxnSpPr>
+              <a:cxnSpLocks/>
+            </p:cNvCxnSpPr>
+            <p:nvPr/>
+          </p:nvCxnSpPr>
+          <p:spPr>
+            <a:xfrm flipH="1">
+              <a:off x="6075920" y="2429672"/>
+              <a:ext cx="805243" cy="310314"/>
+            </a:xfrm>
+            <a:prstGeom prst="straightConnector1">
+              <a:avLst/>
+            </a:prstGeom>
+            <a:noFill/>
+            <a:ln w="63500" cap="flat" cmpd="sng">
+              <a:solidFill>
+                <a:schemeClr val="tx1">
+                  <a:lumMod val="50000"/>
+                  <a:lumOff val="50000"/>
+                </a:schemeClr>
+              </a:solidFill>
+              <a:prstDash val="solid"/>
+              <a:round/>
+              <a:headEnd type="none" w="med" len="med"/>
+              <a:tailEnd type="none" w="med" len="med"/>
+            </a:ln>
+          </p:spPr>
+        </p:cxnSp>
+        <p:cxnSp>
+          <p:nvCxnSpPr>
+            <p:cNvPr id="105" name="Google Shape;383;p44">
+              <a:extLst>
+                <a:ext uri="{FF2B5EF4-FFF2-40B4-BE49-F238E27FC236}">
+                  <a16:creationId xmlns:a16="http://schemas.microsoft.com/office/drawing/2014/main" id="{AE78F495-52AA-D9CD-41DC-328FF9F8C464}"/>
+                </a:ext>
+              </a:extLst>
+            </p:cNvPr>
+            <p:cNvCxnSpPr>
+              <a:cxnSpLocks/>
+            </p:cNvCxnSpPr>
+            <p:nvPr/>
+          </p:nvCxnSpPr>
+          <p:spPr>
+            <a:xfrm flipH="1" flipV="1">
+              <a:off x="5859005" y="2038328"/>
+              <a:ext cx="826591" cy="70907"/>
+            </a:xfrm>
+            <a:prstGeom prst="straightConnector1">
+              <a:avLst/>
+            </a:prstGeom>
+            <a:noFill/>
+            <a:ln w="63500" cap="flat" cmpd="sng">
+              <a:solidFill>
+                <a:schemeClr val="tx1">
+                  <a:lumMod val="50000"/>
+                  <a:lumOff val="50000"/>
+                </a:schemeClr>
+              </a:solidFill>
+              <a:prstDash val="solid"/>
+              <a:round/>
+              <a:headEnd type="none" w="med" len="med"/>
+              <a:tailEnd type="none" w="med" len="med"/>
+            </a:ln>
+          </p:spPr>
+        </p:cxnSp>
+        <p:sp>
+          <p:nvSpPr>
+            <p:cNvPr id="106" name="Google Shape;386;p44">
+              <a:extLst>
+                <a:ext uri="{FF2B5EF4-FFF2-40B4-BE49-F238E27FC236}">
+                  <a16:creationId xmlns:a16="http://schemas.microsoft.com/office/drawing/2014/main" id="{E8234EA7-7389-70D3-2B9D-E42FC061014B}"/>
+                </a:ext>
+              </a:extLst>
+            </p:cNvPr>
+            <p:cNvSpPr/>
+            <p:nvPr/>
+          </p:nvSpPr>
+          <p:spPr>
+            <a:xfrm rot="5400000" flipH="1">
+              <a:off x="7164306" y="2108003"/>
+              <a:ext cx="432813" cy="468300"/>
+            </a:xfrm>
+            <a:prstGeom prst="ellipse">
+              <a:avLst/>
+            </a:prstGeom>
+            <a:solidFill>
+              <a:srgbClr val="FF0000"/>
+            </a:solidFill>
+            <a:ln w="9525" cap="flat" cmpd="sng">
+              <a:solidFill>
+                <a:schemeClr val="dk2"/>
+              </a:solidFill>
+              <a:prstDash val="solid"/>
+              <a:round/>
+              <a:headEnd type="none" w="sm" len="sm"/>
+              <a:tailEnd type="none" w="sm" len="sm"/>
+            </a:ln>
+          </p:spPr>
+          <p:txBody>
+            <a:bodyPr spcFirstLastPara="1" wrap="square" lIns="91425" tIns="91425" rIns="91425" bIns="91425" anchor="ctr" anchorCtr="0">
+              <a:noAutofit/>
+            </a:bodyPr>
+            <a:lstStyle/>
+            <a:p>
+              <a:pPr marL="0" lvl="0" indent="0" algn="l" rtl="0">
+                <a:spcBef>
+                  <a:spcPts val="0"/>
+                </a:spcBef>
+                <a:spcAft>
+                  <a:spcPts val="0"/>
+                </a:spcAft>
+                <a:buNone/>
+              </a:pPr>
+              <a:endParaRPr/>
+            </a:p>
+          </p:txBody>
+        </p:sp>
+        <p:sp>
+          <p:nvSpPr>
+            <p:cNvPr id="107" name="Google Shape;387;p44">
+              <a:extLst>
+                <a:ext uri="{FF2B5EF4-FFF2-40B4-BE49-F238E27FC236}">
+                  <a16:creationId xmlns:a16="http://schemas.microsoft.com/office/drawing/2014/main" id="{441F25B4-ECA1-3371-8386-068F8DBE3E5F}"/>
+                </a:ext>
+              </a:extLst>
+            </p:cNvPr>
+            <p:cNvSpPr/>
+            <p:nvPr/>
+          </p:nvSpPr>
+          <p:spPr>
+            <a:xfrm rot="5400000" flipH="1">
+              <a:off x="7026156" y="2218423"/>
+              <a:ext cx="432813" cy="247500"/>
+            </a:xfrm>
+            <a:prstGeom prst="rect">
+              <a:avLst/>
+            </a:prstGeom>
+            <a:solidFill>
+              <a:srgbClr val="FF0000"/>
+            </a:solidFill>
+            <a:ln>
+              <a:noFill/>
+            </a:ln>
+          </p:spPr>
+          <p:txBody>
+            <a:bodyPr spcFirstLastPara="1" wrap="square" lIns="91425" tIns="91425" rIns="91425" bIns="91425" anchor="ctr" anchorCtr="0">
+              <a:noAutofit/>
+            </a:bodyPr>
+            <a:lstStyle/>
+            <a:p>
+              <a:pPr marL="0" lvl="0" indent="0" algn="l" rtl="0">
+                <a:spcBef>
+                  <a:spcPts val="0"/>
+                </a:spcBef>
+                <a:spcAft>
+                  <a:spcPts val="0"/>
+                </a:spcAft>
+                <a:buNone/>
+              </a:pPr>
+              <a:endParaRPr/>
+            </a:p>
+          </p:txBody>
+        </p:sp>
+        <p:sp>
+          <p:nvSpPr>
+            <p:cNvPr id="108" name="Google Shape;388;p44">
+              <a:extLst>
+                <a:ext uri="{FF2B5EF4-FFF2-40B4-BE49-F238E27FC236}">
+                  <a16:creationId xmlns:a16="http://schemas.microsoft.com/office/drawing/2014/main" id="{AED3E044-CCF6-5534-CA3F-06D71BBF68A0}"/>
+                </a:ext>
+              </a:extLst>
+            </p:cNvPr>
+            <p:cNvSpPr/>
+            <p:nvPr/>
+          </p:nvSpPr>
+          <p:spPr>
+            <a:xfrm rot="5400000" flipH="1">
+              <a:off x="7168357" y="2283823"/>
+              <a:ext cx="424711" cy="116700"/>
+            </a:xfrm>
+            <a:prstGeom prst="arc">
+              <a:avLst>
+                <a:gd name="adj1" fmla="val 31938"/>
+                <a:gd name="adj2" fmla="val 10800000"/>
+              </a:avLst>
+            </a:prstGeom>
+            <a:noFill/>
+            <a:ln w="28575" cap="flat" cmpd="sng">
+              <a:solidFill>
+                <a:srgbClr val="CC0000"/>
+              </a:solidFill>
+              <a:prstDash val="solid"/>
+              <a:round/>
+              <a:headEnd type="none" w="sm" len="sm"/>
+              <a:tailEnd type="none" w="sm" len="sm"/>
+            </a:ln>
+          </p:spPr>
+          <p:txBody>
+            <a:bodyPr spcFirstLastPara="1" wrap="square" lIns="91425" tIns="91425" rIns="91425" bIns="91425" anchor="ctr" anchorCtr="0">
+              <a:noAutofit/>
+            </a:bodyPr>
+            <a:lstStyle/>
+            <a:p>
+              <a:pPr marL="0" lvl="0" indent="0" algn="l" rtl="0">
+                <a:spcBef>
+                  <a:spcPts val="0"/>
+                </a:spcBef>
+                <a:spcAft>
+                  <a:spcPts val="0"/>
+                </a:spcAft>
+                <a:buNone/>
+              </a:pPr>
+              <a:endParaRPr/>
+            </a:p>
+          </p:txBody>
+        </p:sp>
+      </p:grpSp>
+      <p:cxnSp>
+        <p:nvCxnSpPr>
+          <p:cNvPr id="124" name="Straight Connector 123">
+            <a:extLst>
+              <a:ext uri="{FF2B5EF4-FFF2-40B4-BE49-F238E27FC236}">
+                <a16:creationId xmlns:a16="http://schemas.microsoft.com/office/drawing/2014/main" id="{B4E69EF2-9F73-5073-B368-45C937FFD4DE}"/>
+              </a:ext>
+            </a:extLst>
+          </p:cNvPr>
+          <p:cNvCxnSpPr>
+            <a:cxnSpLocks/>
+            <a:endCxn id="122" idx="0"/>
+          </p:cNvCxnSpPr>
+          <p:nvPr/>
+        </p:nvCxnSpPr>
+        <p:spPr>
+          <a:xfrm>
+            <a:off x="5713286" y="4850940"/>
+            <a:ext cx="88900" cy="133731"/>
+          </a:xfrm>
+          <a:prstGeom prst="line">
+            <a:avLst/>
+          </a:prstGeom>
+          <a:ln w="76200" cap="rnd">
+            <a:solidFill>
+              <a:schemeClr val="tx1">
+                <a:lumMod val="50000"/>
+                <a:lumOff val="50000"/>
+              </a:schemeClr>
+            </a:solidFill>
+            <a:round/>
+          </a:ln>
+        </p:spPr>
+        <p:style>
+          <a:lnRef idx="1">
+            <a:schemeClr val="accent1"/>
+          </a:lnRef>
+          <a:fillRef idx="0">
+            <a:schemeClr val="accent1"/>
+          </a:fillRef>
+          <a:effectRef idx="0">
+            <a:schemeClr val="accent1"/>
+          </a:effectRef>
+          <a:fontRef idx="minor">
+            <a:schemeClr val="tx1"/>
+          </a:fontRef>
+        </p:style>
+      </p:cxnSp>
+      <p:cxnSp>
+        <p:nvCxnSpPr>
+          <p:cNvPr id="125" name="Straight Connector 124">
+            <a:extLst>
+              <a:ext uri="{FF2B5EF4-FFF2-40B4-BE49-F238E27FC236}">
+                <a16:creationId xmlns:a16="http://schemas.microsoft.com/office/drawing/2014/main" id="{9775C3FA-7372-2DC8-927F-6A5234BEDBB2}"/>
+              </a:ext>
+            </a:extLst>
+          </p:cNvPr>
+          <p:cNvCxnSpPr>
+            <a:cxnSpLocks/>
+            <a:stCxn id="122" idx="2"/>
+          </p:cNvCxnSpPr>
+          <p:nvPr/>
+        </p:nvCxnSpPr>
+        <p:spPr>
+          <a:xfrm>
+            <a:off x="5802186" y="5620541"/>
+            <a:ext cx="0" cy="178763"/>
+          </a:xfrm>
+          <a:prstGeom prst="line">
+            <a:avLst/>
+          </a:prstGeom>
+          <a:ln w="76200" cap="rnd">
+            <a:solidFill>
+              <a:schemeClr val="tx1">
+                <a:lumMod val="50000"/>
+                <a:lumOff val="50000"/>
+              </a:schemeClr>
+            </a:solidFill>
+            <a:bevel/>
+          </a:ln>
+        </p:spPr>
+        <p:style>
+          <a:lnRef idx="1">
+            <a:schemeClr val="accent1"/>
+          </a:lnRef>
+          <a:fillRef idx="0">
+            <a:schemeClr val="accent1"/>
+          </a:fillRef>
+          <a:effectRef idx="0">
+            <a:schemeClr val="accent1"/>
+          </a:effectRef>
+          <a:fontRef idx="minor">
+            <a:schemeClr val="tx1"/>
+          </a:fontRef>
+        </p:style>
+      </p:cxnSp>
+      <p:pic>
+        <p:nvPicPr>
+          <p:cNvPr id="122" name="Picture 121">
+            <a:extLst>
+              <a:ext uri="{FF2B5EF4-FFF2-40B4-BE49-F238E27FC236}">
+                <a16:creationId xmlns:a16="http://schemas.microsoft.com/office/drawing/2014/main" id="{FC6ABD2C-95AD-73A7-9898-3EE90612F802}"/>
+              </a:ext>
+            </a:extLst>
+          </p:cNvPr>
+          <p:cNvPicPr>
+            <a:picLocks noChangeAspect="1"/>
+          </p:cNvPicPr>
+          <p:nvPr/>
+        </p:nvPicPr>
+        <p:blipFill rotWithShape="1">
+          <a:blip r:embed="rId4"/>
+          <a:srcRect b="3715"/>
+          <a:stretch/>
+        </p:blipFill>
+        <p:spPr>
+          <a:xfrm>
+            <a:off x="5713286" y="4984671"/>
+            <a:ext cx="177800" cy="635870"/>
+          </a:xfrm>
+          <a:prstGeom prst="rect">
+            <a:avLst/>
+          </a:prstGeom>
+        </p:spPr>
+      </p:pic>
+      <p:sp>
+        <p:nvSpPr>
+          <p:cNvPr id="147" name="Can 146">
+            <a:extLst>
+              <a:ext uri="{FF2B5EF4-FFF2-40B4-BE49-F238E27FC236}">
+                <a16:creationId xmlns:a16="http://schemas.microsoft.com/office/drawing/2014/main" id="{44B296DA-A073-2B88-63CA-B25C6959B033}"/>
+              </a:ext>
+            </a:extLst>
+          </p:cNvPr>
+          <p:cNvSpPr/>
+          <p:nvPr/>
+        </p:nvSpPr>
+        <p:spPr>
+          <a:xfrm rot="4730942">
+            <a:off x="5301002" y="2626316"/>
+            <a:ext cx="101279" cy="363212"/>
+          </a:xfrm>
+          <a:prstGeom prst="can">
+            <a:avLst/>
+          </a:prstGeom>
+          <a:solidFill>
+            <a:schemeClr val="tx1"/>
+          </a:solidFill>
+          <a:ln>
+            <a:noFill/>
+          </a:ln>
+        </p:spPr>
+        <p:style>
+          <a:lnRef idx="2">
+            <a:schemeClr val="accent1">
+              <a:shade val="15000"/>
+            </a:schemeClr>
+          </a:lnRef>
+          <a:fillRef idx="1">
+            <a:schemeClr val="accent1"/>
+          </a:fillRef>
+          <a:effectRef idx="0">
+            <a:schemeClr val="accent1"/>
+          </a:effectRef>
+          <a:fontRef idx="minor">
+            <a:schemeClr val="lt1"/>
+          </a:fontRef>
+        </p:style>
+        <p:txBody>
+          <a:bodyPr rtlCol="0" anchor="ctr"/>
+          <a:lstStyle/>
+          <a:p>
+            <a:pPr algn="ctr"/>
+            <a:endParaRPr lang="en-US"/>
+          </a:p>
+        </p:txBody>
+      </p:sp>
+      <p:sp>
+        <p:nvSpPr>
+          <p:cNvPr id="148" name="Can 147">
+            <a:extLst>
+              <a:ext uri="{FF2B5EF4-FFF2-40B4-BE49-F238E27FC236}">
+                <a16:creationId xmlns:a16="http://schemas.microsoft.com/office/drawing/2014/main" id="{1BD216C5-3A1E-9EF4-4DEC-FC72E0931728}"/>
+              </a:ext>
+            </a:extLst>
+          </p:cNvPr>
+          <p:cNvSpPr/>
+          <p:nvPr/>
+        </p:nvSpPr>
+        <p:spPr>
+          <a:xfrm rot="4374799">
+            <a:off x="5677441" y="3191368"/>
+            <a:ext cx="101279" cy="363212"/>
+          </a:xfrm>
+          <a:prstGeom prst="can">
+            <a:avLst/>
+          </a:prstGeom>
+          <a:solidFill>
+            <a:schemeClr val="tx1"/>
+          </a:solidFill>
+          <a:ln>
+            <a:noFill/>
+          </a:ln>
+        </p:spPr>
+        <p:style>
+          <a:lnRef idx="2">
+            <a:schemeClr val="accent1">
+              <a:shade val="15000"/>
+            </a:schemeClr>
+          </a:lnRef>
+          <a:fillRef idx="1">
+            <a:schemeClr val="accent1"/>
+          </a:fillRef>
+          <a:effectRef idx="0">
+            <a:schemeClr val="accent1"/>
+          </a:effectRef>
+          <a:fontRef idx="minor">
+            <a:schemeClr val="lt1"/>
+          </a:fontRef>
+        </p:style>
+        <p:txBody>
+          <a:bodyPr rtlCol="0" anchor="ctr"/>
+          <a:lstStyle/>
+          <a:p>
+            <a:pPr algn="ctr"/>
+            <a:endParaRPr lang="en-US"/>
+          </a:p>
+        </p:txBody>
+      </p:sp>
+      <p:sp>
+        <p:nvSpPr>
+          <p:cNvPr id="149" name="Freeform 148">
+            <a:extLst>
+              <a:ext uri="{FF2B5EF4-FFF2-40B4-BE49-F238E27FC236}">
+                <a16:creationId xmlns:a16="http://schemas.microsoft.com/office/drawing/2014/main" id="{7F4BF367-4F77-0A0A-3B88-56FED89D1E24}"/>
+              </a:ext>
+            </a:extLst>
+          </p:cNvPr>
+          <p:cNvSpPr/>
+          <p:nvPr/>
+        </p:nvSpPr>
+        <p:spPr>
+          <a:xfrm>
+            <a:off x="5512616" y="2714967"/>
+            <a:ext cx="753211" cy="607307"/>
+          </a:xfrm>
+          <a:custGeom>
+            <a:avLst/>
+            <a:gdLst>
+              <a:gd name="connsiteX0" fmla="*/ 0 w 733544"/>
+              <a:gd name="connsiteY0" fmla="*/ 57587 h 637009"/>
+              <a:gd name="connsiteX1" fmla="*/ 615636 w 733544"/>
+              <a:gd name="connsiteY1" fmla="*/ 30427 h 637009"/>
+              <a:gd name="connsiteX2" fmla="*/ 715224 w 733544"/>
+              <a:gd name="connsiteY2" fmla="*/ 428779 h 637009"/>
+              <a:gd name="connsiteX3" fmla="*/ 380246 w 733544"/>
+              <a:gd name="connsiteY3" fmla="*/ 637009 h 637009"/>
+              <a:gd name="connsiteX0" fmla="*/ 0 w 733544"/>
+              <a:gd name="connsiteY0" fmla="*/ 57587 h 650565"/>
+              <a:gd name="connsiteX1" fmla="*/ 615636 w 733544"/>
+              <a:gd name="connsiteY1" fmla="*/ 30427 h 650565"/>
+              <a:gd name="connsiteX2" fmla="*/ 715224 w 733544"/>
+              <a:gd name="connsiteY2" fmla="*/ 428779 h 650565"/>
+              <a:gd name="connsiteX3" fmla="*/ 348496 w 733544"/>
+              <a:gd name="connsiteY3" fmla="*/ 650565 h 650565"/>
+              <a:gd name="connsiteX0" fmla="*/ 0 w 766336"/>
+              <a:gd name="connsiteY0" fmla="*/ 59782 h 649371"/>
+              <a:gd name="connsiteX1" fmla="*/ 647386 w 766336"/>
+              <a:gd name="connsiteY1" fmla="*/ 29233 h 649371"/>
+              <a:gd name="connsiteX2" fmla="*/ 746974 w 766336"/>
+              <a:gd name="connsiteY2" fmla="*/ 427585 h 649371"/>
+              <a:gd name="connsiteX3" fmla="*/ 380246 w 766336"/>
+              <a:gd name="connsiteY3" fmla="*/ 649371 h 649371"/>
+              <a:gd name="connsiteX0" fmla="*/ 0 w 753211"/>
+              <a:gd name="connsiteY0" fmla="*/ 62026 h 648226"/>
+              <a:gd name="connsiteX1" fmla="*/ 634686 w 753211"/>
+              <a:gd name="connsiteY1" fmla="*/ 28088 h 648226"/>
+              <a:gd name="connsiteX2" fmla="*/ 734274 w 753211"/>
+              <a:gd name="connsiteY2" fmla="*/ 426440 h 648226"/>
+              <a:gd name="connsiteX3" fmla="*/ 367546 w 753211"/>
+              <a:gd name="connsiteY3" fmla="*/ 648226 h 648226"/>
+            </a:gdLst>
+            <a:ahLst/>
+            <a:cxnLst>
+              <a:cxn ang="0">
+                <a:pos x="connsiteX0" y="connsiteY0"/>
+              </a:cxn>
+              <a:cxn ang="0">
+                <a:pos x="connsiteX1" y="connsiteY1"/>
+              </a:cxn>
+              <a:cxn ang="0">
+                <a:pos x="connsiteX2" y="connsiteY2"/>
+              </a:cxn>
+              <a:cxn ang="0">
+                <a:pos x="connsiteX3" y="connsiteY3"/>
+              </a:cxn>
+            </a:cxnLst>
+            <a:rect l="l" t="t" r="r" b="b"/>
+            <a:pathLst>
+              <a:path w="753211" h="648226">
+                <a:moveTo>
+                  <a:pt x="0" y="62026"/>
+                </a:moveTo>
+                <a:cubicBezTo>
+                  <a:pt x="248216" y="17513"/>
+                  <a:pt x="512307" y="-32648"/>
+                  <a:pt x="634686" y="28088"/>
+                </a:cubicBezTo>
+                <a:cubicBezTo>
+                  <a:pt x="757065" y="88824"/>
+                  <a:pt x="773506" y="325343"/>
+                  <a:pt x="734274" y="426440"/>
+                </a:cubicBezTo>
+                <a:cubicBezTo>
+                  <a:pt x="695042" y="527537"/>
+                  <a:pt x="515419" y="594659"/>
+                  <a:pt x="367546" y="648226"/>
+                </a:cubicBezTo>
+              </a:path>
+            </a:pathLst>
+          </a:custGeom>
+          <a:noFill/>
+          <a:ln w="63500">
+            <a:solidFill>
+              <a:schemeClr val="accent2"/>
+            </a:solidFill>
+          </a:ln>
+        </p:spPr>
+        <p:style>
+          <a:lnRef idx="2">
+            <a:schemeClr val="accent1">
+              <a:shade val="15000"/>
+            </a:schemeClr>
+          </a:lnRef>
+          <a:fillRef idx="1">
+            <a:schemeClr val="accent1"/>
+          </a:fillRef>
+          <a:effectRef idx="0">
+            <a:schemeClr val="accent1"/>
+          </a:effectRef>
+          <a:fontRef idx="minor">
+            <a:schemeClr val="lt1"/>
+          </a:fontRef>
+        </p:style>
+        <p:txBody>
+          <a:bodyPr rtlCol="0" anchor="ctr"/>
+          <a:lstStyle/>
+          <a:p>
+            <a:pPr algn="ctr"/>
+            <a:endParaRPr lang="en-US"/>
+          </a:p>
+        </p:txBody>
+      </p:sp>
+    </p:spTree>
+    <p:extLst>
+      <p:ext uri="{BB962C8B-B14F-4D97-AF65-F5344CB8AC3E}">
+        <p14:creationId xmlns:p14="http://schemas.microsoft.com/office/powerpoint/2010/main" val="2282763480"/>
+      </p:ext>
+    </p:extLst>
+  </p:cSld>
+  <p:clrMapOvr>
+    <a:masterClrMapping/>
+  </p:clrMapOvr>
+</p:sld>
+</file>
+
+<file path=ppt/slides/slide6.xml><?xml version="1.0" encoding="utf-8"?>
+<p:sld xmlns:a="http://schemas.openxmlformats.org/drawingml/2006/main" xmlns:r="http://schemas.openxmlformats.org/officeDocument/2006/relationships" xmlns:p="http://schemas.openxmlformats.org/presentationml/2006/main">
+  <p:cSld>
+    <p:spTree>
+      <p:nvGrpSpPr>
+        <p:cNvPr id="1" name=""/>
+        <p:cNvGrpSpPr/>
+        <p:nvPr/>
+      </p:nvGrpSpPr>
+      <p:grpSpPr>
+        <a:xfrm>
+          <a:off x="0" y="0"/>
+          <a:ext cx="0" cy="0"/>
+          <a:chOff x="0" y="0"/>
+          <a:chExt cx="0" cy="0"/>
+        </a:xfrm>
+      </p:grpSpPr>
+      <p:sp>
+        <p:nvSpPr>
+          <p:cNvPr id="9" name="Rounded Rectangle 8">
+            <a:extLst>
+              <a:ext uri="{FF2B5EF4-FFF2-40B4-BE49-F238E27FC236}">
+                <a16:creationId xmlns:a16="http://schemas.microsoft.com/office/drawing/2014/main" id="{6337EBBD-10D7-9FE4-60D3-646774F6D675}"/>
+              </a:ext>
+            </a:extLst>
+          </p:cNvPr>
+          <p:cNvSpPr/>
+          <p:nvPr/>
+        </p:nvSpPr>
+        <p:spPr>
+          <a:xfrm>
+            <a:off x="2244954" y="3131820"/>
+            <a:ext cx="1429891" cy="2090528"/>
+          </a:xfrm>
+          <a:prstGeom prst="roundRect">
+            <a:avLst>
+              <a:gd name="adj" fmla="val 4695"/>
+            </a:avLst>
+          </a:prstGeom>
+          <a:solidFill>
+            <a:schemeClr val="tx1"/>
+          </a:solidFill>
+        </p:spPr>
+        <p:style>
+          <a:lnRef idx="2">
+            <a:schemeClr val="accent1">
+              <a:shade val="15000"/>
+            </a:schemeClr>
+          </a:lnRef>
+          <a:fillRef idx="1">
+            <a:schemeClr val="accent1"/>
+          </a:fillRef>
+          <a:effectRef idx="0">
+            <a:schemeClr val="accent1"/>
+          </a:effectRef>
+          <a:fontRef idx="minor">
+            <a:schemeClr val="lt1"/>
+          </a:fontRef>
+        </p:style>
+        <p:txBody>
+          <a:bodyPr rtlCol="0" anchor="ctr"/>
+          <a:lstStyle/>
+          <a:p>
+            <a:pPr algn="ctr"/>
+            <a:endParaRPr lang="en-US"/>
+          </a:p>
+        </p:txBody>
+      </p:sp>
+      <p:sp>
+        <p:nvSpPr>
+          <p:cNvPr id="2" name="Title 1">
+            <a:extLst>
+              <a:ext uri="{FF2B5EF4-FFF2-40B4-BE49-F238E27FC236}">
+                <a16:creationId xmlns:a16="http://schemas.microsoft.com/office/drawing/2014/main" id="{CA558DBF-6F4E-7797-79C7-481DF24F0E2F}"/>
+              </a:ext>
+            </a:extLst>
+          </p:cNvPr>
+          <p:cNvSpPr>
+            <a:spLocks noGrp="1"/>
+          </p:cNvSpPr>
+          <p:nvPr>
+            <p:ph type="title"/>
+          </p:nvPr>
+        </p:nvSpPr>
+        <p:spPr>
+          <a:xfrm>
+            <a:off x="838200" y="365126"/>
+            <a:ext cx="10515600" cy="308992"/>
+          </a:xfrm>
+        </p:spPr>
+        <p:txBody>
+          <a:bodyPr>
+            <a:normAutofit fontScale="90000"/>
+          </a:bodyPr>
+          <a:lstStyle/>
+          <a:p>
+            <a:r>
+              <a:rPr lang="en-US" dirty="0"/>
+              <a:t>LED Circuit</a:t>
+            </a:r>
+          </a:p>
+        </p:txBody>
+      </p:sp>
+      <p:pic>
+        <p:nvPicPr>
+          <p:cNvPr id="4" name="Picture 3">
+            <a:extLst>
+              <a:ext uri="{FF2B5EF4-FFF2-40B4-BE49-F238E27FC236}">
+                <a16:creationId xmlns:a16="http://schemas.microsoft.com/office/drawing/2014/main" id="{FB7A1FC5-C4D4-F446-7DFA-ECB5660570FE}"/>
+              </a:ext>
+            </a:extLst>
+          </p:cNvPr>
+          <p:cNvPicPr>
+            <a:picLocks noChangeAspect="1"/>
+          </p:cNvPicPr>
+          <p:nvPr/>
+        </p:nvPicPr>
+        <p:blipFill>
+          <a:blip r:embed="rId2"/>
+          <a:stretch>
+            <a:fillRect/>
+          </a:stretch>
+        </p:blipFill>
+        <p:spPr>
+          <a:xfrm>
+            <a:off x="4123339" y="2557107"/>
+            <a:ext cx="5092700" cy="3581400"/>
+          </a:xfrm>
+          <a:prstGeom prst="rect">
+            <a:avLst/>
+          </a:prstGeom>
+        </p:spPr>
+      </p:pic>
+      <p:grpSp>
+        <p:nvGrpSpPr>
+          <p:cNvPr id="8" name="Group 7">
+            <a:extLst>
+              <a:ext uri="{FF2B5EF4-FFF2-40B4-BE49-F238E27FC236}">
+                <a16:creationId xmlns:a16="http://schemas.microsoft.com/office/drawing/2014/main" id="{C98038F2-EFD5-C497-A765-974C2ABF66EC}"/>
+              </a:ext>
+            </a:extLst>
+          </p:cNvPr>
+          <p:cNvGrpSpPr/>
+          <p:nvPr/>
+        </p:nvGrpSpPr>
+        <p:grpSpPr>
+          <a:xfrm rot="16200000">
+            <a:off x="1686531" y="3868478"/>
+            <a:ext cx="1872675" cy="627960"/>
+            <a:chOff x="3531565" y="2686051"/>
+            <a:chExt cx="4940300" cy="1485900"/>
+          </a:xfrm>
+        </p:grpSpPr>
+        <p:pic>
+          <p:nvPicPr>
+            <p:cNvPr id="6" name="Picture 5">
+              <a:extLst>
+                <a:ext uri="{FF2B5EF4-FFF2-40B4-BE49-F238E27FC236}">
+                  <a16:creationId xmlns:a16="http://schemas.microsoft.com/office/drawing/2014/main" id="{4D77191D-F2C5-2702-904A-0C596BD199FA}"/>
+                </a:ext>
+              </a:extLst>
+            </p:cNvPr>
+            <p:cNvPicPr>
+              <a:picLocks noChangeAspect="1"/>
+            </p:cNvPicPr>
+            <p:nvPr/>
+          </p:nvPicPr>
+          <p:blipFill>
+            <a:blip r:embed="rId3">
+              <a:clrChange>
+                <a:clrFrom>
+                  <a:srgbClr val="FFFFFF"/>
+                </a:clrFrom>
+                <a:clrTo>
+                  <a:srgbClr val="FFFFFF">
+                    <a:alpha val="0"/>
+                  </a:srgbClr>
+                </a:clrTo>
+              </a:clrChange>
+            </a:blip>
+            <a:stretch>
+              <a:fillRect/>
+            </a:stretch>
+          </p:blipFill>
+          <p:spPr>
+            <a:xfrm rot="16200000">
+              <a:off x="5258765" y="958851"/>
+              <a:ext cx="1485900" cy="4940300"/>
+            </a:xfrm>
+            <a:prstGeom prst="rect">
+              <a:avLst/>
+            </a:prstGeom>
+          </p:spPr>
+        </p:pic>
+        <p:sp>
+          <p:nvSpPr>
+            <p:cNvPr id="7" name="TextBox 6">
+              <a:extLst>
+                <a:ext uri="{FF2B5EF4-FFF2-40B4-BE49-F238E27FC236}">
+                  <a16:creationId xmlns:a16="http://schemas.microsoft.com/office/drawing/2014/main" id="{22CAF9E0-F0D5-5A58-E751-C7D5EA3A4E93}"/>
+                </a:ext>
+              </a:extLst>
+            </p:cNvPr>
+            <p:cNvSpPr txBox="1"/>
+            <p:nvPr/>
+          </p:nvSpPr>
+          <p:spPr>
+            <a:xfrm>
+              <a:off x="5348753" y="3028448"/>
+              <a:ext cx="2955717" cy="801098"/>
+            </a:xfrm>
+            <a:prstGeom prst="rect">
+              <a:avLst/>
+            </a:prstGeom>
+            <a:solidFill>
+              <a:schemeClr val="tx1"/>
+            </a:solidFill>
+          </p:spPr>
+          <p:txBody>
+            <a:bodyPr wrap="square" rtlCol="0">
+              <a:spAutoFit/>
+            </a:bodyPr>
+            <a:lstStyle/>
+            <a:p>
+              <a:r>
+                <a:rPr lang="en-US" sz="1600" b="1" dirty="0">
+                  <a:solidFill>
+                    <a:schemeClr val="bg1"/>
+                  </a:solidFill>
+                  <a:latin typeface="Helvetica" pitchFamily="2" charset="0"/>
+                </a:rPr>
+                <a:t>BATTERY</a:t>
+              </a:r>
+            </a:p>
+          </p:txBody>
+        </p:sp>
+      </p:grpSp>
+      <p:grpSp>
+        <p:nvGrpSpPr>
+          <p:cNvPr id="82" name="Group 81">
+            <a:extLst>
+              <a:ext uri="{FF2B5EF4-FFF2-40B4-BE49-F238E27FC236}">
+                <a16:creationId xmlns:a16="http://schemas.microsoft.com/office/drawing/2014/main" id="{ED30E147-D115-972D-2FF2-A97834C8A377}"/>
+              </a:ext>
+            </a:extLst>
+          </p:cNvPr>
+          <p:cNvGrpSpPr/>
+          <p:nvPr/>
+        </p:nvGrpSpPr>
+        <p:grpSpPr>
+          <a:xfrm rot="5400000">
+            <a:off x="2311742" y="3849329"/>
+            <a:ext cx="1872675" cy="627960"/>
+            <a:chOff x="3531567" y="2686049"/>
+            <a:chExt cx="4940301" cy="1485901"/>
+          </a:xfrm>
+        </p:grpSpPr>
+        <p:pic>
+          <p:nvPicPr>
+            <p:cNvPr id="83" name="Picture 82">
+              <a:extLst>
+                <a:ext uri="{FF2B5EF4-FFF2-40B4-BE49-F238E27FC236}">
+                  <a16:creationId xmlns:a16="http://schemas.microsoft.com/office/drawing/2014/main" id="{8E36D470-F50A-86D1-E75D-EDD203AD7162}"/>
+                </a:ext>
+              </a:extLst>
+            </p:cNvPr>
+            <p:cNvPicPr>
+              <a:picLocks noChangeAspect="1"/>
+            </p:cNvPicPr>
+            <p:nvPr/>
+          </p:nvPicPr>
+          <p:blipFill>
+            <a:blip r:embed="rId3">
+              <a:clrChange>
+                <a:clrFrom>
+                  <a:srgbClr val="FFFFFF"/>
+                </a:clrFrom>
+                <a:clrTo>
+                  <a:srgbClr val="FFFFFF">
+                    <a:alpha val="0"/>
+                  </a:srgbClr>
+                </a:clrTo>
+              </a:clrChange>
+            </a:blip>
+            <a:stretch>
+              <a:fillRect/>
+            </a:stretch>
+          </p:blipFill>
+          <p:spPr>
+            <a:xfrm rot="16200000">
+              <a:off x="5258767" y="958849"/>
+              <a:ext cx="1485901" cy="4940301"/>
+            </a:xfrm>
+            <a:prstGeom prst="rect">
+              <a:avLst/>
+            </a:prstGeom>
+          </p:spPr>
+        </p:pic>
+        <p:sp>
+          <p:nvSpPr>
+            <p:cNvPr id="84" name="TextBox 83">
+              <a:extLst>
+                <a:ext uri="{FF2B5EF4-FFF2-40B4-BE49-F238E27FC236}">
+                  <a16:creationId xmlns:a16="http://schemas.microsoft.com/office/drawing/2014/main" id="{EEBC74D0-7D72-F40C-2457-F7F5B292B3B1}"/>
+                </a:ext>
+              </a:extLst>
+            </p:cNvPr>
+            <p:cNvSpPr txBox="1"/>
+            <p:nvPr/>
+          </p:nvSpPr>
+          <p:spPr>
+            <a:xfrm>
+              <a:off x="5348753" y="3028448"/>
+              <a:ext cx="2955717" cy="801098"/>
+            </a:xfrm>
+            <a:prstGeom prst="rect">
+              <a:avLst/>
+            </a:prstGeom>
+            <a:solidFill>
+              <a:schemeClr val="tx1"/>
+            </a:solidFill>
+          </p:spPr>
+          <p:txBody>
+            <a:bodyPr wrap="square" rtlCol="0">
+              <a:spAutoFit/>
+            </a:bodyPr>
+            <a:lstStyle/>
+            <a:p>
+              <a:r>
+                <a:rPr lang="en-US" sz="1600" b="1" dirty="0">
+                  <a:solidFill>
+                    <a:schemeClr val="bg1"/>
+                  </a:solidFill>
+                  <a:latin typeface="Helvetica" pitchFamily="2" charset="0"/>
+                </a:rPr>
+                <a:t>BATTERY</a:t>
+              </a:r>
+            </a:p>
+          </p:txBody>
+        </p:sp>
+      </p:grpSp>
+      <p:sp>
+        <p:nvSpPr>
+          <p:cNvPr id="86" name="Rectangle 85">
+            <a:extLst>
+              <a:ext uri="{FF2B5EF4-FFF2-40B4-BE49-F238E27FC236}">
+                <a16:creationId xmlns:a16="http://schemas.microsoft.com/office/drawing/2014/main" id="{3EDFCBC8-95F8-F206-532C-66E9B85BAF32}"/>
+              </a:ext>
+            </a:extLst>
+          </p:cNvPr>
+          <p:cNvSpPr/>
+          <p:nvPr/>
+        </p:nvSpPr>
+        <p:spPr>
+          <a:xfrm>
+            <a:off x="2269364" y="3265270"/>
+            <a:ext cx="63929" cy="1834376"/>
+          </a:xfrm>
+          <a:prstGeom prst="rect">
+            <a:avLst/>
+          </a:prstGeom>
+          <a:solidFill>
+            <a:schemeClr val="tx1"/>
+          </a:solidFill>
+          <a:ln>
+            <a:noFill/>
+          </a:ln>
+        </p:spPr>
+        <p:style>
+          <a:lnRef idx="2">
+            <a:schemeClr val="accent1">
+              <a:shade val="15000"/>
+            </a:schemeClr>
+          </a:lnRef>
+          <a:fillRef idx="1">
+            <a:schemeClr val="accent1"/>
+          </a:fillRef>
+          <a:effectRef idx="0">
+            <a:schemeClr val="accent1"/>
+          </a:effectRef>
+          <a:fontRef idx="minor">
+            <a:schemeClr val="lt1"/>
+          </a:fontRef>
+        </p:style>
+        <p:txBody>
+          <a:bodyPr rtlCol="0" anchor="ctr"/>
+          <a:lstStyle/>
+          <a:p>
+            <a:pPr algn="ctr"/>
+            <a:endParaRPr lang="en-US"/>
+          </a:p>
+        </p:txBody>
+      </p:sp>
+      <p:sp>
+        <p:nvSpPr>
+          <p:cNvPr id="87" name="Rectangle 86">
+            <a:extLst>
+              <a:ext uri="{FF2B5EF4-FFF2-40B4-BE49-F238E27FC236}">
+                <a16:creationId xmlns:a16="http://schemas.microsoft.com/office/drawing/2014/main" id="{B64284C1-1329-4D35-5CC6-8C062FA7941F}"/>
+              </a:ext>
+            </a:extLst>
+          </p:cNvPr>
+          <p:cNvSpPr/>
+          <p:nvPr/>
+        </p:nvSpPr>
+        <p:spPr>
+          <a:xfrm>
+            <a:off x="3527347" y="3274846"/>
+            <a:ext cx="63929" cy="1834376"/>
+          </a:xfrm>
+          <a:prstGeom prst="rect">
+            <a:avLst/>
+          </a:prstGeom>
+          <a:solidFill>
+            <a:schemeClr val="tx1"/>
+          </a:solidFill>
+          <a:ln>
+            <a:noFill/>
+          </a:ln>
+        </p:spPr>
+        <p:style>
+          <a:lnRef idx="2">
+            <a:schemeClr val="accent1">
+              <a:shade val="15000"/>
+            </a:schemeClr>
+          </a:lnRef>
+          <a:fillRef idx="1">
+            <a:schemeClr val="accent1"/>
+          </a:fillRef>
+          <a:effectRef idx="0">
+            <a:schemeClr val="accent1"/>
+          </a:effectRef>
+          <a:fontRef idx="minor">
+            <a:schemeClr val="lt1"/>
+          </a:fontRef>
+        </p:style>
+        <p:txBody>
+          <a:bodyPr rtlCol="0" anchor="ctr"/>
+          <a:lstStyle/>
+          <a:p>
+            <a:pPr algn="ctr"/>
+            <a:endParaRPr lang="en-US"/>
+          </a:p>
+        </p:txBody>
+      </p:sp>
+      <p:cxnSp>
+        <p:nvCxnSpPr>
+          <p:cNvPr id="89" name="Curved Connector 88">
+            <a:extLst>
+              <a:ext uri="{FF2B5EF4-FFF2-40B4-BE49-F238E27FC236}">
+                <a16:creationId xmlns:a16="http://schemas.microsoft.com/office/drawing/2014/main" id="{07B39FCE-7787-C9F0-9443-1BC1B922F20A}"/>
+              </a:ext>
+            </a:extLst>
+          </p:cNvPr>
+          <p:cNvCxnSpPr>
+            <a:cxnSpLocks/>
+            <a:stCxn id="9" idx="0"/>
+          </p:cNvCxnSpPr>
+          <p:nvPr/>
+        </p:nvCxnSpPr>
+        <p:spPr>
+          <a:xfrm rot="5400000" flipH="1" flipV="1">
+            <a:off x="3607946" y="2210658"/>
+            <a:ext cx="273117" cy="1569209"/>
+          </a:xfrm>
+          <a:prstGeom prst="curvedConnector2">
+            <a:avLst/>
+          </a:prstGeom>
+          <a:ln w="38100">
+            <a:solidFill>
+              <a:srgbClr val="FF0000"/>
+            </a:solidFill>
+          </a:ln>
+        </p:spPr>
+        <p:style>
+          <a:lnRef idx="1">
+            <a:schemeClr val="accent1"/>
+          </a:lnRef>
+          <a:fillRef idx="0">
+            <a:schemeClr val="accent1"/>
+          </a:fillRef>
+          <a:effectRef idx="0">
+            <a:schemeClr val="accent1"/>
+          </a:effectRef>
+          <a:fontRef idx="minor">
+            <a:schemeClr val="tx1"/>
+          </a:fontRef>
+        </p:style>
+      </p:cxnSp>
+      <p:sp>
+        <p:nvSpPr>
+          <p:cNvPr id="99" name="Freeform 98">
+            <a:extLst>
+              <a:ext uri="{FF2B5EF4-FFF2-40B4-BE49-F238E27FC236}">
+                <a16:creationId xmlns:a16="http://schemas.microsoft.com/office/drawing/2014/main" id="{C352A38E-49DA-FCAC-F929-22C2E1206591}"/>
+              </a:ext>
+            </a:extLst>
+          </p:cNvPr>
+          <p:cNvSpPr/>
+          <p:nvPr/>
+        </p:nvSpPr>
+        <p:spPr>
+          <a:xfrm flipV="1">
+            <a:off x="2975961" y="5157096"/>
+            <a:ext cx="1553148" cy="642208"/>
+          </a:xfrm>
+          <a:custGeom>
+            <a:avLst/>
+            <a:gdLst>
+              <a:gd name="connsiteX0" fmla="*/ 0 w 1188720"/>
+              <a:gd name="connsiteY0" fmla="*/ 133939 h 133939"/>
+              <a:gd name="connsiteX1" fmla="*/ 160020 w 1188720"/>
+              <a:gd name="connsiteY1" fmla="*/ 50119 h 133939"/>
+              <a:gd name="connsiteX2" fmla="*/ 579120 w 1188720"/>
+              <a:gd name="connsiteY2" fmla="*/ 4399 h 133939"/>
+              <a:gd name="connsiteX3" fmla="*/ 1188720 w 1188720"/>
+              <a:gd name="connsiteY3" fmla="*/ 4399 h 133939"/>
+            </a:gdLst>
+            <a:ahLst/>
+            <a:cxnLst>
+              <a:cxn ang="0">
+                <a:pos x="connsiteX0" y="connsiteY0"/>
+              </a:cxn>
+              <a:cxn ang="0">
+                <a:pos x="connsiteX1" y="connsiteY1"/>
+              </a:cxn>
+              <a:cxn ang="0">
+                <a:pos x="connsiteX2" y="connsiteY2"/>
+              </a:cxn>
+              <a:cxn ang="0">
+                <a:pos x="connsiteX3" y="connsiteY3"/>
+              </a:cxn>
+            </a:cxnLst>
+            <a:rect l="l" t="t" r="r" b="b"/>
+            <a:pathLst>
+              <a:path w="1188720" h="133939">
+                <a:moveTo>
+                  <a:pt x="0" y="133939"/>
+                </a:moveTo>
+                <a:cubicBezTo>
+                  <a:pt x="31750" y="102824"/>
+                  <a:pt x="63500" y="71709"/>
+                  <a:pt x="160020" y="50119"/>
+                </a:cubicBezTo>
+                <a:cubicBezTo>
+                  <a:pt x="256540" y="28529"/>
+                  <a:pt x="407670" y="12019"/>
+                  <a:pt x="579120" y="4399"/>
+                </a:cubicBezTo>
+                <a:cubicBezTo>
+                  <a:pt x="750570" y="-3221"/>
+                  <a:pt x="969645" y="589"/>
+                  <a:pt x="1188720" y="4399"/>
+                </a:cubicBezTo>
+              </a:path>
+            </a:pathLst>
+          </a:custGeom>
+          <a:noFill/>
+          <a:ln w="38100"/>
+        </p:spPr>
+        <p:style>
+          <a:lnRef idx="2">
+            <a:schemeClr val="accent1">
+              <a:shade val="15000"/>
+            </a:schemeClr>
+          </a:lnRef>
+          <a:fillRef idx="1">
+            <a:schemeClr val="accent1"/>
+          </a:fillRef>
+          <a:effectRef idx="0">
+            <a:schemeClr val="accent1"/>
+          </a:effectRef>
+          <a:fontRef idx="minor">
+            <a:schemeClr val="lt1"/>
+          </a:fontRef>
+        </p:style>
+        <p:txBody>
+          <a:bodyPr rtlCol="0" anchor="ctr"/>
+          <a:lstStyle/>
+          <a:p>
+            <a:pPr algn="ctr"/>
+            <a:endParaRPr lang="en-US"/>
+          </a:p>
+        </p:txBody>
+      </p:sp>
+      <p:grpSp>
+        <p:nvGrpSpPr>
+          <p:cNvPr id="113" name="Group 112">
+            <a:extLst>
+              <a:ext uri="{FF2B5EF4-FFF2-40B4-BE49-F238E27FC236}">
+                <a16:creationId xmlns:a16="http://schemas.microsoft.com/office/drawing/2014/main" id="{68A4E949-BFF2-52CC-F9C7-F9A0FC581E4B}"/>
+              </a:ext>
+            </a:extLst>
+          </p:cNvPr>
+          <p:cNvGrpSpPr/>
+          <p:nvPr/>
+        </p:nvGrpSpPr>
+        <p:grpSpPr>
+          <a:xfrm>
+            <a:off x="5209878" y="2822829"/>
+            <a:ext cx="1396911" cy="593803"/>
+            <a:chOff x="5870163" y="2125746"/>
+            <a:chExt cx="1744700" cy="831793"/>
+          </a:xfrm>
+        </p:grpSpPr>
+        <p:cxnSp>
+          <p:nvCxnSpPr>
+            <p:cNvPr id="102" name="Google Shape;378;p44">
+              <a:extLst>
+                <a:ext uri="{FF2B5EF4-FFF2-40B4-BE49-F238E27FC236}">
+                  <a16:creationId xmlns:a16="http://schemas.microsoft.com/office/drawing/2014/main" id="{6F87A94C-5485-28DD-7853-F5FD2F40F9A5}"/>
+                </a:ext>
+              </a:extLst>
+            </p:cNvPr>
+            <p:cNvCxnSpPr/>
+            <p:nvPr/>
+          </p:nvCxnSpPr>
+          <p:spPr>
+            <a:xfrm rot="5400000" flipH="1">
+              <a:off x="6714463" y="2045582"/>
+              <a:ext cx="128150" cy="356400"/>
+            </a:xfrm>
+            <a:prstGeom prst="straightConnector1">
+              <a:avLst/>
+            </a:prstGeom>
+            <a:noFill/>
+            <a:ln w="38100" cap="flat" cmpd="sng">
+              <a:solidFill>
+                <a:schemeClr val="tx1">
+                  <a:lumMod val="50000"/>
+                  <a:lumOff val="50000"/>
+                </a:schemeClr>
+              </a:solidFill>
+              <a:prstDash val="solid"/>
+              <a:round/>
+              <a:headEnd type="none" w="med" len="med"/>
+              <a:tailEnd type="none" w="med" len="med"/>
+            </a:ln>
+          </p:spPr>
+        </p:cxnSp>
+        <p:sp>
+          <p:nvSpPr>
+            <p:cNvPr id="103" name="Google Shape;381;p44">
+              <a:extLst>
+                <a:ext uri="{FF2B5EF4-FFF2-40B4-BE49-F238E27FC236}">
+                  <a16:creationId xmlns:a16="http://schemas.microsoft.com/office/drawing/2014/main" id="{B33AADF7-ABC3-999D-B5E0-B9CB3F030935}"/>
+                </a:ext>
+              </a:extLst>
+            </p:cNvPr>
+            <p:cNvSpPr/>
+            <p:nvPr/>
+          </p:nvSpPr>
+          <p:spPr>
+            <a:xfrm rot="5400000" flipH="1">
+              <a:off x="6934156" y="2072753"/>
+              <a:ext cx="432813" cy="538800"/>
+            </a:xfrm>
+            <a:prstGeom prst="can">
+              <a:avLst>
+                <a:gd name="adj" fmla="val 25000"/>
+              </a:avLst>
+            </a:prstGeom>
+            <a:solidFill>
+              <a:srgbClr val="FF0000"/>
+            </a:solidFill>
+            <a:ln w="9525" cap="flat" cmpd="sng">
+              <a:solidFill>
+                <a:schemeClr val="dk2"/>
+              </a:solidFill>
+              <a:prstDash val="solid"/>
+              <a:round/>
+              <a:headEnd type="none" w="sm" len="sm"/>
+              <a:tailEnd type="none" w="sm" len="sm"/>
+            </a:ln>
+          </p:spPr>
+          <p:txBody>
+            <a:bodyPr spcFirstLastPara="1" wrap="square" lIns="91425" tIns="91425" rIns="91425" bIns="91425" anchor="ctr" anchorCtr="0">
+              <a:noAutofit/>
+            </a:bodyPr>
+            <a:lstStyle/>
+            <a:p>
+              <a:pPr marL="0" lvl="0" indent="0" algn="l" rtl="0">
+                <a:spcBef>
+                  <a:spcPts val="0"/>
+                </a:spcBef>
+                <a:spcAft>
+                  <a:spcPts val="0"/>
+                </a:spcAft>
+                <a:buNone/>
+              </a:pPr>
+              <a:endParaRPr/>
+            </a:p>
+          </p:txBody>
+        </p:sp>
+        <p:cxnSp>
+          <p:nvCxnSpPr>
+            <p:cNvPr id="104" name="Google Shape;382;p44">
+              <a:extLst>
+                <a:ext uri="{FF2B5EF4-FFF2-40B4-BE49-F238E27FC236}">
+                  <a16:creationId xmlns:a16="http://schemas.microsoft.com/office/drawing/2014/main" id="{B39F44B8-7022-4943-122B-49B57A7E11C7}"/>
+                </a:ext>
+              </a:extLst>
+            </p:cNvPr>
+            <p:cNvCxnSpPr>
+              <a:cxnSpLocks/>
+            </p:cNvCxnSpPr>
+            <p:nvPr/>
+          </p:nvCxnSpPr>
+          <p:spPr>
+            <a:xfrm flipH="1">
+              <a:off x="6051862" y="2429673"/>
+              <a:ext cx="829301" cy="527866"/>
+            </a:xfrm>
+            <a:prstGeom prst="straightConnector1">
+              <a:avLst/>
+            </a:prstGeom>
+            <a:noFill/>
+            <a:ln w="38100" cap="flat" cmpd="sng">
+              <a:solidFill>
+                <a:schemeClr val="tx1">
+                  <a:lumMod val="50000"/>
+                  <a:lumOff val="50000"/>
+                </a:schemeClr>
+              </a:solidFill>
+              <a:prstDash val="solid"/>
+              <a:round/>
+              <a:headEnd type="none" w="med" len="med"/>
+              <a:tailEnd type="none" w="med" len="med"/>
+            </a:ln>
+          </p:spPr>
+        </p:cxnSp>
+        <p:cxnSp>
+          <p:nvCxnSpPr>
+            <p:cNvPr id="105" name="Google Shape;383;p44">
+              <a:extLst>
+                <a:ext uri="{FF2B5EF4-FFF2-40B4-BE49-F238E27FC236}">
+                  <a16:creationId xmlns:a16="http://schemas.microsoft.com/office/drawing/2014/main" id="{AE78F495-52AA-D9CD-41DC-328FF9F8C464}"/>
+                </a:ext>
+              </a:extLst>
+            </p:cNvPr>
+            <p:cNvCxnSpPr>
+              <a:cxnSpLocks/>
+            </p:cNvCxnSpPr>
+            <p:nvPr/>
+          </p:nvCxnSpPr>
+          <p:spPr>
+            <a:xfrm flipH="1">
+              <a:off x="5870163" y="2152506"/>
+              <a:ext cx="739775" cy="7201"/>
+            </a:xfrm>
+            <a:prstGeom prst="straightConnector1">
+              <a:avLst/>
+            </a:prstGeom>
+            <a:noFill/>
+            <a:ln w="38100" cap="flat" cmpd="sng">
+              <a:solidFill>
+                <a:schemeClr val="tx1">
+                  <a:lumMod val="50000"/>
+                  <a:lumOff val="50000"/>
+                </a:schemeClr>
+              </a:solidFill>
+              <a:prstDash val="solid"/>
+              <a:round/>
+              <a:headEnd type="none" w="med" len="med"/>
+              <a:tailEnd type="none" w="med" len="med"/>
+            </a:ln>
+          </p:spPr>
+        </p:cxnSp>
+        <p:sp>
+          <p:nvSpPr>
+            <p:cNvPr id="106" name="Google Shape;386;p44">
+              <a:extLst>
+                <a:ext uri="{FF2B5EF4-FFF2-40B4-BE49-F238E27FC236}">
+                  <a16:creationId xmlns:a16="http://schemas.microsoft.com/office/drawing/2014/main" id="{E8234EA7-7389-70D3-2B9D-E42FC061014B}"/>
+                </a:ext>
+              </a:extLst>
+            </p:cNvPr>
+            <p:cNvSpPr/>
+            <p:nvPr/>
+          </p:nvSpPr>
+          <p:spPr>
+            <a:xfrm rot="5400000" flipH="1">
+              <a:off x="7164306" y="2108003"/>
+              <a:ext cx="432813" cy="468300"/>
+            </a:xfrm>
+            <a:prstGeom prst="ellipse">
+              <a:avLst/>
+            </a:prstGeom>
+            <a:solidFill>
+              <a:srgbClr val="FF0000"/>
+            </a:solidFill>
+            <a:ln w="9525" cap="flat" cmpd="sng">
+              <a:solidFill>
+                <a:schemeClr val="dk2"/>
+              </a:solidFill>
+              <a:prstDash val="solid"/>
+              <a:round/>
+              <a:headEnd type="none" w="sm" len="sm"/>
+              <a:tailEnd type="none" w="sm" len="sm"/>
+            </a:ln>
+          </p:spPr>
+          <p:txBody>
+            <a:bodyPr spcFirstLastPara="1" wrap="square" lIns="91425" tIns="91425" rIns="91425" bIns="91425" anchor="ctr" anchorCtr="0">
+              <a:noAutofit/>
+            </a:bodyPr>
+            <a:lstStyle/>
+            <a:p>
+              <a:pPr marL="0" lvl="0" indent="0" algn="l" rtl="0">
+                <a:spcBef>
+                  <a:spcPts val="0"/>
+                </a:spcBef>
+                <a:spcAft>
+                  <a:spcPts val="0"/>
+                </a:spcAft>
+                <a:buNone/>
+              </a:pPr>
+              <a:endParaRPr/>
+            </a:p>
+          </p:txBody>
+        </p:sp>
+        <p:sp>
+          <p:nvSpPr>
+            <p:cNvPr id="107" name="Google Shape;387;p44">
+              <a:extLst>
+                <a:ext uri="{FF2B5EF4-FFF2-40B4-BE49-F238E27FC236}">
+                  <a16:creationId xmlns:a16="http://schemas.microsoft.com/office/drawing/2014/main" id="{441F25B4-ECA1-3371-8386-068F8DBE3E5F}"/>
+                </a:ext>
+              </a:extLst>
+            </p:cNvPr>
+            <p:cNvSpPr/>
+            <p:nvPr/>
+          </p:nvSpPr>
+          <p:spPr>
+            <a:xfrm rot="5400000" flipH="1">
+              <a:off x="7026156" y="2218423"/>
+              <a:ext cx="432813" cy="247500"/>
+            </a:xfrm>
+            <a:prstGeom prst="rect">
+              <a:avLst/>
+            </a:prstGeom>
+            <a:solidFill>
+              <a:srgbClr val="FF0000"/>
+            </a:solidFill>
+            <a:ln>
+              <a:noFill/>
+            </a:ln>
+          </p:spPr>
+          <p:txBody>
+            <a:bodyPr spcFirstLastPara="1" wrap="square" lIns="91425" tIns="91425" rIns="91425" bIns="91425" anchor="ctr" anchorCtr="0">
+              <a:noAutofit/>
+            </a:bodyPr>
+            <a:lstStyle/>
+            <a:p>
+              <a:pPr marL="0" lvl="0" indent="0" algn="l" rtl="0">
+                <a:spcBef>
+                  <a:spcPts val="0"/>
+                </a:spcBef>
+                <a:spcAft>
+                  <a:spcPts val="0"/>
+                </a:spcAft>
+                <a:buNone/>
+              </a:pPr>
+              <a:endParaRPr/>
+            </a:p>
+          </p:txBody>
+        </p:sp>
+        <p:sp>
+          <p:nvSpPr>
+            <p:cNvPr id="108" name="Google Shape;388;p44">
+              <a:extLst>
+                <a:ext uri="{FF2B5EF4-FFF2-40B4-BE49-F238E27FC236}">
+                  <a16:creationId xmlns:a16="http://schemas.microsoft.com/office/drawing/2014/main" id="{AED3E044-CCF6-5534-CA3F-06D71BBF68A0}"/>
+                </a:ext>
+              </a:extLst>
+            </p:cNvPr>
+            <p:cNvSpPr/>
+            <p:nvPr/>
+          </p:nvSpPr>
+          <p:spPr>
+            <a:xfrm rot="5400000" flipH="1">
+              <a:off x="7168357" y="2283823"/>
+              <a:ext cx="424711" cy="116700"/>
+            </a:xfrm>
+            <a:prstGeom prst="arc">
+              <a:avLst>
+                <a:gd name="adj1" fmla="val 31938"/>
+                <a:gd name="adj2" fmla="val 10800000"/>
+              </a:avLst>
+            </a:prstGeom>
+            <a:noFill/>
+            <a:ln w="28575" cap="flat" cmpd="sng">
+              <a:solidFill>
+                <a:srgbClr val="CC0000"/>
+              </a:solidFill>
+              <a:prstDash val="solid"/>
+              <a:round/>
+              <a:headEnd type="none" w="sm" len="sm"/>
+              <a:tailEnd type="none" w="sm" len="sm"/>
+            </a:ln>
+          </p:spPr>
+          <p:txBody>
+            <a:bodyPr spcFirstLastPara="1" wrap="square" lIns="91425" tIns="91425" rIns="91425" bIns="91425" anchor="ctr" anchorCtr="0">
+              <a:noAutofit/>
+            </a:bodyPr>
+            <a:lstStyle/>
+            <a:p>
+              <a:pPr marL="0" lvl="0" indent="0" algn="l" rtl="0">
+                <a:spcBef>
+                  <a:spcPts val="0"/>
+                </a:spcBef>
+                <a:spcAft>
+                  <a:spcPts val="0"/>
+                </a:spcAft>
+                <a:buNone/>
+              </a:pPr>
+              <a:endParaRPr/>
+            </a:p>
+          </p:txBody>
+        </p:sp>
+      </p:grpSp>
+      <p:sp>
+        <p:nvSpPr>
+          <p:cNvPr id="117" name="Rectangle 116">
+            <a:extLst>
+              <a:ext uri="{FF2B5EF4-FFF2-40B4-BE49-F238E27FC236}">
+                <a16:creationId xmlns:a16="http://schemas.microsoft.com/office/drawing/2014/main" id="{1EF8721C-8EC5-8FA7-8ED7-3FB773C50955}"/>
+              </a:ext>
+            </a:extLst>
+          </p:cNvPr>
+          <p:cNvSpPr/>
+          <p:nvPr/>
+        </p:nvSpPr>
+        <p:spPr>
+          <a:xfrm>
+            <a:off x="5355357" y="3915795"/>
+            <a:ext cx="94384" cy="82855"/>
+          </a:xfrm>
+          <a:prstGeom prst="rect">
+            <a:avLst/>
+          </a:prstGeom>
+          <a:solidFill>
+            <a:schemeClr val="tx1">
+              <a:lumMod val="50000"/>
+              <a:lumOff val="50000"/>
+            </a:schemeClr>
+          </a:solidFill>
+          <a:ln>
+            <a:noFill/>
+          </a:ln>
+        </p:spPr>
+        <p:style>
+          <a:lnRef idx="2">
+            <a:schemeClr val="accent1">
+              <a:shade val="15000"/>
+            </a:schemeClr>
+          </a:lnRef>
+          <a:fillRef idx="1">
+            <a:schemeClr val="accent1"/>
+          </a:fillRef>
+          <a:effectRef idx="0">
+            <a:schemeClr val="accent1"/>
+          </a:effectRef>
+          <a:fontRef idx="minor">
+            <a:schemeClr val="lt1"/>
+          </a:fontRef>
+        </p:style>
+        <p:txBody>
+          <a:bodyPr rtlCol="0" anchor="ctr"/>
+          <a:lstStyle/>
+          <a:p>
+            <a:pPr algn="ctr"/>
+            <a:endParaRPr lang="en-US"/>
+          </a:p>
+        </p:txBody>
+      </p:sp>
+      <p:sp>
+        <p:nvSpPr>
+          <p:cNvPr id="118" name="Rectangle 117">
+            <a:extLst>
+              <a:ext uri="{FF2B5EF4-FFF2-40B4-BE49-F238E27FC236}">
+                <a16:creationId xmlns:a16="http://schemas.microsoft.com/office/drawing/2014/main" id="{1F2B39CD-0F99-96B7-6C4B-A8FD17E68885}"/>
+              </a:ext>
+            </a:extLst>
+          </p:cNvPr>
+          <p:cNvSpPr/>
+          <p:nvPr/>
+        </p:nvSpPr>
+        <p:spPr>
+          <a:xfrm flipV="1">
+            <a:off x="5663332" y="3915796"/>
+            <a:ext cx="94384" cy="82854"/>
+          </a:xfrm>
+          <a:prstGeom prst="rect">
+            <a:avLst/>
+          </a:prstGeom>
+          <a:solidFill>
+            <a:schemeClr val="tx1">
+              <a:lumMod val="50000"/>
+              <a:lumOff val="50000"/>
+            </a:schemeClr>
+          </a:solidFill>
+          <a:ln>
+            <a:noFill/>
+          </a:ln>
+        </p:spPr>
+        <p:style>
+          <a:lnRef idx="2">
+            <a:schemeClr val="accent1">
+              <a:shade val="15000"/>
+            </a:schemeClr>
+          </a:lnRef>
+          <a:fillRef idx="1">
+            <a:schemeClr val="accent1"/>
+          </a:fillRef>
+          <a:effectRef idx="0">
+            <a:schemeClr val="accent1"/>
+          </a:effectRef>
+          <a:fontRef idx="minor">
+            <a:schemeClr val="lt1"/>
+          </a:fontRef>
+        </p:style>
+        <p:txBody>
+          <a:bodyPr rtlCol="0" anchor="ctr"/>
+          <a:lstStyle/>
+          <a:p>
+            <a:pPr algn="ctr"/>
+            <a:endParaRPr lang="en-US"/>
+          </a:p>
+        </p:txBody>
+      </p:sp>
+      <p:sp>
+        <p:nvSpPr>
+          <p:cNvPr id="119" name="Rectangle 118">
+            <a:extLst>
+              <a:ext uri="{FF2B5EF4-FFF2-40B4-BE49-F238E27FC236}">
+                <a16:creationId xmlns:a16="http://schemas.microsoft.com/office/drawing/2014/main" id="{365EED42-987A-763A-97DD-7676DA91363A}"/>
+              </a:ext>
+            </a:extLst>
+          </p:cNvPr>
+          <p:cNvSpPr/>
+          <p:nvPr/>
+        </p:nvSpPr>
+        <p:spPr>
+          <a:xfrm>
+            <a:off x="5355357" y="4642294"/>
+            <a:ext cx="94384" cy="82855"/>
+          </a:xfrm>
+          <a:prstGeom prst="rect">
+            <a:avLst/>
+          </a:prstGeom>
+          <a:solidFill>
+            <a:schemeClr val="tx1">
+              <a:lumMod val="50000"/>
+              <a:lumOff val="50000"/>
+            </a:schemeClr>
+          </a:solidFill>
+          <a:ln>
+            <a:noFill/>
+          </a:ln>
+        </p:spPr>
+        <p:style>
+          <a:lnRef idx="2">
+            <a:schemeClr val="accent1">
+              <a:shade val="15000"/>
+            </a:schemeClr>
+          </a:lnRef>
+          <a:fillRef idx="1">
+            <a:schemeClr val="accent1"/>
+          </a:fillRef>
+          <a:effectRef idx="0">
+            <a:schemeClr val="accent1"/>
+          </a:effectRef>
+          <a:fontRef idx="minor">
+            <a:schemeClr val="lt1"/>
+          </a:fontRef>
+        </p:style>
+        <p:txBody>
+          <a:bodyPr rtlCol="0" anchor="ctr"/>
+          <a:lstStyle/>
+          <a:p>
+            <a:pPr algn="ctr"/>
+            <a:endParaRPr lang="en-US"/>
+          </a:p>
+        </p:txBody>
+      </p:sp>
+      <p:sp>
+        <p:nvSpPr>
+          <p:cNvPr id="120" name="Rectangle 119">
+            <a:extLst>
+              <a:ext uri="{FF2B5EF4-FFF2-40B4-BE49-F238E27FC236}">
+                <a16:creationId xmlns:a16="http://schemas.microsoft.com/office/drawing/2014/main" id="{EB21DCAD-6A86-B5CB-4762-30CEE2FA7A44}"/>
+              </a:ext>
+            </a:extLst>
+          </p:cNvPr>
+          <p:cNvSpPr/>
+          <p:nvPr/>
+        </p:nvSpPr>
+        <p:spPr>
+          <a:xfrm flipV="1">
+            <a:off x="5663332" y="4642295"/>
+            <a:ext cx="94384" cy="82854"/>
+          </a:xfrm>
+          <a:prstGeom prst="rect">
+            <a:avLst/>
+          </a:prstGeom>
+          <a:solidFill>
+            <a:schemeClr val="tx1">
+              <a:lumMod val="50000"/>
+              <a:lumOff val="50000"/>
+            </a:schemeClr>
+          </a:solidFill>
+          <a:ln>
+            <a:noFill/>
+          </a:ln>
+        </p:spPr>
+        <p:style>
+          <a:lnRef idx="2">
+            <a:schemeClr val="accent1">
+              <a:shade val="15000"/>
+            </a:schemeClr>
+          </a:lnRef>
+          <a:fillRef idx="1">
+            <a:schemeClr val="accent1"/>
+          </a:fillRef>
+          <a:effectRef idx="0">
+            <a:schemeClr val="accent1"/>
+          </a:effectRef>
+          <a:fontRef idx="minor">
+            <a:schemeClr val="lt1"/>
+          </a:fontRef>
+        </p:style>
+        <p:txBody>
+          <a:bodyPr rtlCol="0" anchor="ctr"/>
+          <a:lstStyle/>
+          <a:p>
+            <a:pPr algn="ctr"/>
+            <a:endParaRPr lang="en-US"/>
+          </a:p>
+        </p:txBody>
+      </p:sp>
+      <p:sp>
+        <p:nvSpPr>
+          <p:cNvPr id="116" name="Rounded Rectangle 115">
+            <a:extLst>
+              <a:ext uri="{FF2B5EF4-FFF2-40B4-BE49-F238E27FC236}">
+                <a16:creationId xmlns:a16="http://schemas.microsoft.com/office/drawing/2014/main" id="{4E9F7B63-AEFD-59AF-3B22-EF3C24F95BEA}"/>
+              </a:ext>
+            </a:extLst>
+          </p:cNvPr>
+          <p:cNvSpPr/>
+          <p:nvPr/>
+        </p:nvSpPr>
+        <p:spPr>
+          <a:xfrm>
+            <a:off x="5220365" y="3998650"/>
+            <a:ext cx="663987" cy="664143"/>
+          </a:xfrm>
+          <a:prstGeom prst="roundRect">
+            <a:avLst>
+              <a:gd name="adj" fmla="val 9016"/>
+            </a:avLst>
+          </a:prstGeom>
+          <a:solidFill>
+            <a:schemeClr val="tx1"/>
+          </a:solidFill>
+        </p:spPr>
+        <p:style>
+          <a:lnRef idx="2">
+            <a:schemeClr val="accent1">
+              <a:shade val="15000"/>
+            </a:schemeClr>
+          </a:lnRef>
+          <a:fillRef idx="1">
+            <a:schemeClr val="accent1"/>
+          </a:fillRef>
+          <a:effectRef idx="0">
+            <a:schemeClr val="accent1"/>
+          </a:effectRef>
+          <a:fontRef idx="minor">
+            <a:schemeClr val="lt1"/>
+          </a:fontRef>
+        </p:style>
+        <p:txBody>
+          <a:bodyPr rtlCol="0" anchor="ctr"/>
+          <a:lstStyle/>
+          <a:p>
+            <a:pPr algn="ctr"/>
+            <a:endParaRPr lang="en-US"/>
+          </a:p>
+        </p:txBody>
+      </p:sp>
+      <p:sp>
+        <p:nvSpPr>
+          <p:cNvPr id="121" name="Oval 120">
+            <a:extLst>
+              <a:ext uri="{FF2B5EF4-FFF2-40B4-BE49-F238E27FC236}">
+                <a16:creationId xmlns:a16="http://schemas.microsoft.com/office/drawing/2014/main" id="{310CA477-71F2-C7B0-31DD-14CFC9119BB3}"/>
+              </a:ext>
+            </a:extLst>
+          </p:cNvPr>
+          <p:cNvSpPr/>
+          <p:nvPr/>
+        </p:nvSpPr>
+        <p:spPr>
+          <a:xfrm>
+            <a:off x="5245100" y="4025900"/>
+            <a:ext cx="639252" cy="616394"/>
+          </a:xfrm>
+          <a:prstGeom prst="ellipse">
+            <a:avLst/>
+          </a:prstGeom>
+          <a:solidFill>
+            <a:srgbClr val="0432FF"/>
+          </a:solidFill>
+          <a:ln>
+            <a:noFill/>
+          </a:ln>
+        </p:spPr>
+        <p:style>
+          <a:lnRef idx="2">
+            <a:schemeClr val="accent1">
+              <a:shade val="15000"/>
+            </a:schemeClr>
+          </a:lnRef>
+          <a:fillRef idx="1">
+            <a:schemeClr val="accent1"/>
+          </a:fillRef>
+          <a:effectRef idx="0">
+            <a:schemeClr val="accent1"/>
+          </a:effectRef>
+          <a:fontRef idx="minor">
+            <a:schemeClr val="lt1"/>
+          </a:fontRef>
+        </p:style>
+        <p:txBody>
+          <a:bodyPr rtlCol="0" anchor="ctr"/>
+          <a:lstStyle/>
+          <a:p>
+            <a:pPr algn="ctr"/>
+            <a:endParaRPr lang="en-US"/>
+          </a:p>
+        </p:txBody>
+      </p:sp>
+      <p:cxnSp>
+        <p:nvCxnSpPr>
+          <p:cNvPr id="124" name="Straight Connector 123">
+            <a:extLst>
+              <a:ext uri="{FF2B5EF4-FFF2-40B4-BE49-F238E27FC236}">
+                <a16:creationId xmlns:a16="http://schemas.microsoft.com/office/drawing/2014/main" id="{B4E69EF2-9F73-5073-B368-45C937FFD4DE}"/>
+              </a:ext>
+            </a:extLst>
+          </p:cNvPr>
+          <p:cNvCxnSpPr>
+            <a:cxnSpLocks/>
+            <a:endCxn id="122" idx="0"/>
+          </p:cNvCxnSpPr>
+          <p:nvPr/>
+        </p:nvCxnSpPr>
+        <p:spPr>
+          <a:xfrm>
+            <a:off x="5713286" y="4850940"/>
+            <a:ext cx="88900" cy="133731"/>
+          </a:xfrm>
+          <a:prstGeom prst="line">
+            <a:avLst/>
+          </a:prstGeom>
+          <a:ln w="76200" cap="rnd">
+            <a:solidFill>
+              <a:schemeClr val="tx1">
+                <a:lumMod val="50000"/>
+                <a:lumOff val="50000"/>
+              </a:schemeClr>
+            </a:solidFill>
+            <a:round/>
+          </a:ln>
+        </p:spPr>
+        <p:style>
+          <a:lnRef idx="1">
+            <a:schemeClr val="accent1"/>
+          </a:lnRef>
+          <a:fillRef idx="0">
+            <a:schemeClr val="accent1"/>
+          </a:fillRef>
+          <a:effectRef idx="0">
+            <a:schemeClr val="accent1"/>
+          </a:effectRef>
+          <a:fontRef idx="minor">
+            <a:schemeClr val="tx1"/>
+          </a:fontRef>
+        </p:style>
+      </p:cxnSp>
+      <p:cxnSp>
+        <p:nvCxnSpPr>
+          <p:cNvPr id="125" name="Straight Connector 124">
+            <a:extLst>
+              <a:ext uri="{FF2B5EF4-FFF2-40B4-BE49-F238E27FC236}">
+                <a16:creationId xmlns:a16="http://schemas.microsoft.com/office/drawing/2014/main" id="{9775C3FA-7372-2DC8-927F-6A5234BEDBB2}"/>
+              </a:ext>
+            </a:extLst>
+          </p:cNvPr>
+          <p:cNvCxnSpPr>
+            <a:cxnSpLocks/>
+            <a:stCxn id="122" idx="2"/>
+          </p:cNvCxnSpPr>
+          <p:nvPr/>
+        </p:nvCxnSpPr>
+        <p:spPr>
+          <a:xfrm>
+            <a:off x="5802186" y="5620541"/>
+            <a:ext cx="0" cy="178763"/>
+          </a:xfrm>
+          <a:prstGeom prst="line">
+            <a:avLst/>
+          </a:prstGeom>
+          <a:ln w="76200" cap="rnd">
+            <a:solidFill>
+              <a:schemeClr val="tx1">
+                <a:lumMod val="50000"/>
+                <a:lumOff val="50000"/>
+              </a:schemeClr>
+            </a:solidFill>
+            <a:bevel/>
+          </a:ln>
+        </p:spPr>
+        <p:style>
+          <a:lnRef idx="1">
+            <a:schemeClr val="accent1"/>
+          </a:lnRef>
+          <a:fillRef idx="0">
+            <a:schemeClr val="accent1"/>
+          </a:fillRef>
+          <a:effectRef idx="0">
+            <a:schemeClr val="accent1"/>
+          </a:effectRef>
+          <a:fontRef idx="minor">
+            <a:schemeClr val="tx1"/>
+          </a:fontRef>
+        </p:style>
+      </p:cxnSp>
+      <p:pic>
+        <p:nvPicPr>
+          <p:cNvPr id="122" name="Picture 121">
+            <a:extLst>
+              <a:ext uri="{FF2B5EF4-FFF2-40B4-BE49-F238E27FC236}">
+                <a16:creationId xmlns:a16="http://schemas.microsoft.com/office/drawing/2014/main" id="{FC6ABD2C-95AD-73A7-9898-3EE90612F802}"/>
+              </a:ext>
+            </a:extLst>
+          </p:cNvPr>
+          <p:cNvPicPr>
+            <a:picLocks noChangeAspect="1"/>
+          </p:cNvPicPr>
+          <p:nvPr/>
+        </p:nvPicPr>
+        <p:blipFill rotWithShape="1">
+          <a:blip r:embed="rId4"/>
+          <a:srcRect b="3715"/>
+          <a:stretch/>
+        </p:blipFill>
+        <p:spPr>
+          <a:xfrm>
+            <a:off x="5713286" y="4984671"/>
+            <a:ext cx="177800" cy="635870"/>
+          </a:xfrm>
+          <a:prstGeom prst="rect">
+            <a:avLst/>
+          </a:prstGeom>
+        </p:spPr>
+      </p:pic>
+    </p:spTree>
+    <p:extLst>
+      <p:ext uri="{BB962C8B-B14F-4D97-AF65-F5344CB8AC3E}">
+        <p14:creationId xmlns:p14="http://schemas.microsoft.com/office/powerpoint/2010/main" val="1400951760"/>
+      </p:ext>
+    </p:extLst>
+  </p:cSld>
+  <p:clrMapOvr>
+    <a:masterClrMapping/>
+  </p:clrMapOvr>
+</p:sld>
+</file>
+
 <file path=ppt/theme/theme1.xml><?xml version="1.0" encoding="utf-8"?>
 <a:theme xmlns:a="http://schemas.openxmlformats.org/drawingml/2006/main" name="Office Theme">
   <a:themeElements>

--- a/slides/Breadboard-Basics.pptx
+++ b/slides/Breadboard-Basics.pptx
@@ -10,7 +10,10 @@
     <p:sldId id="261" r:id="rId4"/>
     <p:sldId id="259" r:id="rId5"/>
     <p:sldId id="257" r:id="rId6"/>
-    <p:sldId id="258" r:id="rId7"/>
+    <p:sldId id="262" r:id="rId7"/>
+    <p:sldId id="258" r:id="rId8"/>
+    <p:sldId id="263" r:id="rId9"/>
+    <p:sldId id="264" r:id="rId10"/>
   </p:sldIdLst>
   <p:sldSz cx="12192000" cy="6858000"/>
   <p:notesSz cx="6858000" cy="9144000"/>
@@ -109,6 +112,11 @@
       </a:defRPr>
     </a:lvl9pPr>
   </p:defaultTextStyle>
+  <p:extLst>
+    <p:ext uri="{EFAFB233-063F-42B5-8137-9DF3F51BA10A}">
+      <p15:sldGuideLst xmlns:p15="http://schemas.microsoft.com/office/powerpoint/2012/main"/>
+    </p:ext>
+  </p:extLst>
 </p:presentation>
 </file>
 
@@ -259,7 +267,7 @@
           <a:p>
             <a:fld id="{15B0168C-30FA-7B47-AF31-323605ECDC57}" type="datetimeFigureOut">
               <a:rPr lang="en-US" smtClean="0"/>
-              <a:t>1/14/24</a:t>
+              <a:t>1/21/24</a:t>
             </a:fld>
             <a:endParaRPr lang="en-US"/>
           </a:p>
@@ -457,7 +465,7 @@
           <a:p>
             <a:fld id="{15B0168C-30FA-7B47-AF31-323605ECDC57}" type="datetimeFigureOut">
               <a:rPr lang="en-US" smtClean="0"/>
-              <a:t>1/14/24</a:t>
+              <a:t>1/21/24</a:t>
             </a:fld>
             <a:endParaRPr lang="en-US"/>
           </a:p>
@@ -665,7 +673,7 @@
           <a:p>
             <a:fld id="{15B0168C-30FA-7B47-AF31-323605ECDC57}" type="datetimeFigureOut">
               <a:rPr lang="en-US" smtClean="0"/>
-              <a:t>1/14/24</a:t>
+              <a:t>1/21/24</a:t>
             </a:fld>
             <a:endParaRPr lang="en-US"/>
           </a:p>
@@ -863,7 +871,7 @@
           <a:p>
             <a:fld id="{15B0168C-30FA-7B47-AF31-323605ECDC57}" type="datetimeFigureOut">
               <a:rPr lang="en-US" smtClean="0"/>
-              <a:t>1/14/24</a:t>
+              <a:t>1/21/24</a:t>
             </a:fld>
             <a:endParaRPr lang="en-US"/>
           </a:p>
@@ -1138,7 +1146,7 @@
           <a:p>
             <a:fld id="{15B0168C-30FA-7B47-AF31-323605ECDC57}" type="datetimeFigureOut">
               <a:rPr lang="en-US" smtClean="0"/>
-              <a:t>1/14/24</a:t>
+              <a:t>1/21/24</a:t>
             </a:fld>
             <a:endParaRPr lang="en-US"/>
           </a:p>
@@ -1403,7 +1411,7 @@
           <a:p>
             <a:fld id="{15B0168C-30FA-7B47-AF31-323605ECDC57}" type="datetimeFigureOut">
               <a:rPr lang="en-US" smtClean="0"/>
-              <a:t>1/14/24</a:t>
+              <a:t>1/21/24</a:t>
             </a:fld>
             <a:endParaRPr lang="en-US"/>
           </a:p>
@@ -1815,7 +1823,7 @@
           <a:p>
             <a:fld id="{15B0168C-30FA-7B47-AF31-323605ECDC57}" type="datetimeFigureOut">
               <a:rPr lang="en-US" smtClean="0"/>
-              <a:t>1/14/24</a:t>
+              <a:t>1/21/24</a:t>
             </a:fld>
             <a:endParaRPr lang="en-US"/>
           </a:p>
@@ -1956,7 +1964,7 @@
           <a:p>
             <a:fld id="{15B0168C-30FA-7B47-AF31-323605ECDC57}" type="datetimeFigureOut">
               <a:rPr lang="en-US" smtClean="0"/>
-              <a:t>1/14/24</a:t>
+              <a:t>1/21/24</a:t>
             </a:fld>
             <a:endParaRPr lang="en-US"/>
           </a:p>
@@ -2069,7 +2077,7 @@
           <a:p>
             <a:fld id="{15B0168C-30FA-7B47-AF31-323605ECDC57}" type="datetimeFigureOut">
               <a:rPr lang="en-US" smtClean="0"/>
-              <a:t>1/14/24</a:t>
+              <a:t>1/21/24</a:t>
             </a:fld>
             <a:endParaRPr lang="en-US"/>
           </a:p>
@@ -2380,7 +2388,7 @@
           <a:p>
             <a:fld id="{15B0168C-30FA-7B47-AF31-323605ECDC57}" type="datetimeFigureOut">
               <a:rPr lang="en-US" smtClean="0"/>
-              <a:t>1/14/24</a:t>
+              <a:t>1/21/24</a:t>
             </a:fld>
             <a:endParaRPr lang="en-US"/>
           </a:p>
@@ -2668,7 +2676,7 @@
           <a:p>
             <a:fld id="{15B0168C-30FA-7B47-AF31-323605ECDC57}" type="datetimeFigureOut">
               <a:rPr lang="en-US" smtClean="0"/>
-              <a:t>1/14/24</a:t>
+              <a:t>1/21/24</a:t>
             </a:fld>
             <a:endParaRPr lang="en-US"/>
           </a:p>
@@ -2909,7 +2917,7 @@
           <a:p>
             <a:fld id="{15B0168C-30FA-7B47-AF31-323605ECDC57}" type="datetimeFigureOut">
               <a:rPr lang="en-US" smtClean="0"/>
-              <a:t>1/14/24</a:t>
+              <a:t>1/21/24</a:t>
             </a:fld>
             <a:endParaRPr lang="en-US"/>
           </a:p>
@@ -5611,6 +5619,195 @@
   <p:cSld>
     <p:spTree>
       <p:nvGrpSpPr>
+        <p:cNvPr id="1" name="">
+          <a:extLst>
+            <a:ext uri="{FF2B5EF4-FFF2-40B4-BE49-F238E27FC236}">
+              <a16:creationId xmlns:a16="http://schemas.microsoft.com/office/drawing/2014/main" id="{7DF50094-11C6-08D8-6BA1-24C9952C4494}"/>
+            </a:ext>
+          </a:extLst>
+        </p:cNvPr>
+        <p:cNvGrpSpPr/>
+        <p:nvPr/>
+      </p:nvGrpSpPr>
+      <p:grpSpPr>
+        <a:xfrm>
+          <a:off x="0" y="0"/>
+          <a:ext cx="0" cy="0"/>
+          <a:chOff x="0" y="0"/>
+          <a:chExt cx="0" cy="0"/>
+        </a:xfrm>
+      </p:grpSpPr>
+      <p:sp>
+        <p:nvSpPr>
+          <p:cNvPr id="2" name="Title 1">
+            <a:extLst>
+              <a:ext uri="{FF2B5EF4-FFF2-40B4-BE49-F238E27FC236}">
+                <a16:creationId xmlns:a16="http://schemas.microsoft.com/office/drawing/2014/main" id="{3A16D9CD-7AE4-A0E6-88A8-F26DE8A8B3DD}"/>
+              </a:ext>
+            </a:extLst>
+          </p:cNvPr>
+          <p:cNvSpPr>
+            <a:spLocks noGrp="1"/>
+          </p:cNvSpPr>
+          <p:nvPr>
+            <p:ph type="title"/>
+          </p:nvPr>
+        </p:nvSpPr>
+        <p:spPr>
+          <a:xfrm>
+            <a:off x="838200" y="365126"/>
+            <a:ext cx="10515600" cy="308992"/>
+          </a:xfrm>
+        </p:spPr>
+        <p:txBody>
+          <a:bodyPr>
+            <a:normAutofit fontScale="90000"/>
+          </a:bodyPr>
+          <a:lstStyle/>
+          <a:p>
+            <a:r>
+              <a:rPr lang="en-US" dirty="0"/>
+              <a:t>LED Circuit</a:t>
+            </a:r>
+          </a:p>
+        </p:txBody>
+      </p:sp>
+      <p:pic>
+        <p:nvPicPr>
+          <p:cNvPr id="3" name="Picture 2">
+            <a:extLst>
+              <a:ext uri="{FF2B5EF4-FFF2-40B4-BE49-F238E27FC236}">
+                <a16:creationId xmlns:a16="http://schemas.microsoft.com/office/drawing/2014/main" id="{C8C12F40-1C88-9910-DD8D-C229570D2833}"/>
+              </a:ext>
+            </a:extLst>
+          </p:cNvPr>
+          <p:cNvPicPr>
+            <a:picLocks noChangeAspect="1"/>
+          </p:cNvPicPr>
+          <p:nvPr/>
+        </p:nvPicPr>
+        <p:blipFill>
+          <a:blip r:embed="rId2"/>
+          <a:stretch>
+            <a:fillRect/>
+          </a:stretch>
+        </p:blipFill>
+        <p:spPr>
+          <a:xfrm>
+            <a:off x="2666713" y="1681806"/>
+            <a:ext cx="5408959" cy="2745087"/>
+          </a:xfrm>
+          <a:prstGeom prst="rect">
+            <a:avLst/>
+          </a:prstGeom>
+        </p:spPr>
+      </p:pic>
+      <p:pic>
+        <p:nvPicPr>
+          <p:cNvPr id="1026" name="Picture 2">
+            <a:extLst>
+              <a:ext uri="{FF2B5EF4-FFF2-40B4-BE49-F238E27FC236}">
+                <a16:creationId xmlns:a16="http://schemas.microsoft.com/office/drawing/2014/main" id="{ED4640A8-3AA8-02F5-2C86-9B58B724E155}"/>
+              </a:ext>
+            </a:extLst>
+          </p:cNvPr>
+          <p:cNvPicPr>
+            <a:picLocks noChangeAspect="1" noChangeArrowheads="1"/>
+          </p:cNvPicPr>
+          <p:nvPr/>
+        </p:nvPicPr>
+        <p:blipFill>
+          <a:blip r:embed="rId3">
+            <a:extLst>
+              <a:ext uri="{28A0092B-C50C-407E-A947-70E740481C1C}">
+                <a14:useLocalDpi xmlns:a14="http://schemas.microsoft.com/office/drawing/2010/main" val="0"/>
+              </a:ext>
+            </a:extLst>
+          </a:blip>
+          <a:srcRect/>
+          <a:stretch>
+            <a:fillRect/>
+          </a:stretch>
+        </p:blipFill>
+        <p:spPr bwMode="auto">
+          <a:xfrm>
+            <a:off x="8360228" y="1769834"/>
+            <a:ext cx="2569029" cy="2569029"/>
+          </a:xfrm>
+          <a:prstGeom prst="rect">
+            <a:avLst/>
+          </a:prstGeom>
+          <a:noFill/>
+          <a:extLst>
+            <a:ext uri="{909E8E84-426E-40DD-AFC4-6F175D3DCCD1}">
+              <a14:hiddenFill xmlns:a14="http://schemas.microsoft.com/office/drawing/2010/main">
+                <a:solidFill>
+                  <a:srgbClr val="FFFFFF"/>
+                </a:solidFill>
+              </a14:hiddenFill>
+            </a:ext>
+          </a:extLst>
+        </p:spPr>
+      </p:pic>
+      <p:pic>
+        <p:nvPicPr>
+          <p:cNvPr id="10" name="Picture 9">
+            <a:extLst>
+              <a:ext uri="{FF2B5EF4-FFF2-40B4-BE49-F238E27FC236}">
+                <a16:creationId xmlns:a16="http://schemas.microsoft.com/office/drawing/2014/main" id="{0F853BC5-D833-72FE-C5DC-B62F4C9AB90F}"/>
+              </a:ext>
+            </a:extLst>
+          </p:cNvPr>
+          <p:cNvPicPr>
+            <a:picLocks noChangeAspect="1"/>
+          </p:cNvPicPr>
+          <p:nvPr/>
+        </p:nvPicPr>
+        <p:blipFill>
+          <a:blip r:embed="rId4">
+            <a:clrChange>
+              <a:clrFrom>
+                <a:srgbClr val="F2F2F2"/>
+              </a:clrFrom>
+              <a:clrTo>
+                <a:srgbClr val="F2F2F2">
+                  <a:alpha val="0"/>
+                </a:srgbClr>
+              </a:clrTo>
+            </a:clrChange>
+          </a:blip>
+          <a:stretch>
+            <a:fillRect/>
+          </a:stretch>
+        </p:blipFill>
+        <p:spPr>
+          <a:xfrm>
+            <a:off x="1027400" y="2307722"/>
+            <a:ext cx="1354757" cy="1222878"/>
+          </a:xfrm>
+          <a:prstGeom prst="rect">
+            <a:avLst/>
+          </a:prstGeom>
+        </p:spPr>
+      </p:pic>
+    </p:spTree>
+    <p:extLst>
+      <p:ext uri="{BB962C8B-B14F-4D97-AF65-F5344CB8AC3E}">
+        <p14:creationId xmlns:p14="http://schemas.microsoft.com/office/powerpoint/2010/main" val="4232702241"/>
+      </p:ext>
+    </p:extLst>
+  </p:cSld>
+  <p:clrMapOvr>
+    <a:masterClrMapping/>
+  </p:clrMapOvr>
+</p:sld>
+</file>
+
+<file path=ppt/slides/slide7.xml><?xml version="1.0" encoding="utf-8"?>
+<p:sld xmlns:a="http://schemas.openxmlformats.org/drawingml/2006/main" xmlns:r="http://schemas.openxmlformats.org/officeDocument/2006/relationships" xmlns:p="http://schemas.openxmlformats.org/presentationml/2006/main">
+  <p:cSld>
+    <p:spTree>
+      <p:nvGrpSpPr>
         <p:cNvPr id="1" name=""/>
         <p:cNvGrpSpPr/>
         <p:nvPr/>
@@ -6987,6 +7184,211 @@
 </p:sld>
 </file>
 
+<file path=ppt/slides/slide8.xml><?xml version="1.0" encoding="utf-8"?>
+<p:sld xmlns:a="http://schemas.openxmlformats.org/drawingml/2006/main" xmlns:r="http://schemas.openxmlformats.org/officeDocument/2006/relationships" xmlns:p="http://schemas.openxmlformats.org/presentationml/2006/main">
+  <p:cSld>
+    <p:spTree>
+      <p:nvGrpSpPr>
+        <p:cNvPr id="1" name=""/>
+        <p:cNvGrpSpPr/>
+        <p:nvPr/>
+      </p:nvGrpSpPr>
+      <p:grpSpPr>
+        <a:xfrm>
+          <a:off x="0" y="0"/>
+          <a:ext cx="0" cy="0"/>
+          <a:chOff x="0" y="0"/>
+          <a:chExt cx="0" cy="0"/>
+        </a:xfrm>
+      </p:grpSpPr>
+      <p:sp>
+        <p:nvSpPr>
+          <p:cNvPr id="2" name="Title 1">
+            <a:extLst>
+              <a:ext uri="{FF2B5EF4-FFF2-40B4-BE49-F238E27FC236}">
+                <a16:creationId xmlns:a16="http://schemas.microsoft.com/office/drawing/2014/main" id="{C81F2D49-85F7-0BC8-B4E8-647B85961F78}"/>
+              </a:ext>
+            </a:extLst>
+          </p:cNvPr>
+          <p:cNvSpPr>
+            <a:spLocks noGrp="1"/>
+          </p:cNvSpPr>
+          <p:nvPr>
+            <p:ph type="title"/>
+          </p:nvPr>
+        </p:nvSpPr>
+        <p:spPr/>
+        <p:txBody>
+          <a:bodyPr/>
+          <a:lstStyle/>
+          <a:p>
+            <a:endParaRPr lang="en-US"/>
+          </a:p>
+        </p:txBody>
+      </p:sp>
+      <p:pic>
+        <p:nvPicPr>
+          <p:cNvPr id="4" name="Picture 3">
+            <a:extLst>
+              <a:ext uri="{FF2B5EF4-FFF2-40B4-BE49-F238E27FC236}">
+                <a16:creationId xmlns:a16="http://schemas.microsoft.com/office/drawing/2014/main" id="{CEA19D4D-6D9A-1C19-92C6-E8E8B05D3C35}"/>
+              </a:ext>
+            </a:extLst>
+          </p:cNvPr>
+          <p:cNvPicPr>
+            <a:picLocks noChangeAspect="1"/>
+          </p:cNvPicPr>
+          <p:nvPr/>
+        </p:nvPicPr>
+        <p:blipFill>
+          <a:blip r:embed="rId2"/>
+          <a:stretch>
+            <a:fillRect/>
+          </a:stretch>
+        </p:blipFill>
+        <p:spPr>
+          <a:xfrm>
+            <a:off x="1125764" y="2380342"/>
+            <a:ext cx="3117672" cy="3154136"/>
+          </a:xfrm>
+          <a:prstGeom prst="rect">
+            <a:avLst/>
+          </a:prstGeom>
+        </p:spPr>
+      </p:pic>
+    </p:spTree>
+    <p:extLst>
+      <p:ext uri="{BB962C8B-B14F-4D97-AF65-F5344CB8AC3E}">
+        <p14:creationId xmlns:p14="http://schemas.microsoft.com/office/powerpoint/2010/main" val="2049343206"/>
+      </p:ext>
+    </p:extLst>
+  </p:cSld>
+  <p:clrMapOvr>
+    <a:masterClrMapping/>
+  </p:clrMapOvr>
+</p:sld>
+</file>
+
+<file path=ppt/slides/slide9.xml><?xml version="1.0" encoding="utf-8"?>
+<p:sld xmlns:a="http://schemas.openxmlformats.org/drawingml/2006/main" xmlns:r="http://schemas.openxmlformats.org/officeDocument/2006/relationships" xmlns:p="http://schemas.openxmlformats.org/presentationml/2006/main">
+  <p:cSld>
+    <p:spTree>
+      <p:nvGrpSpPr>
+        <p:cNvPr id="1" name=""/>
+        <p:cNvGrpSpPr/>
+        <p:nvPr/>
+      </p:nvGrpSpPr>
+      <p:grpSpPr>
+        <a:xfrm>
+          <a:off x="0" y="0"/>
+          <a:ext cx="0" cy="0"/>
+          <a:chOff x="0" y="0"/>
+          <a:chExt cx="0" cy="0"/>
+        </a:xfrm>
+      </p:grpSpPr>
+      <p:sp>
+        <p:nvSpPr>
+          <p:cNvPr id="2" name="Title 1">
+            <a:extLst>
+              <a:ext uri="{FF2B5EF4-FFF2-40B4-BE49-F238E27FC236}">
+                <a16:creationId xmlns:a16="http://schemas.microsoft.com/office/drawing/2014/main" id="{89947242-273A-B70F-4923-8E554E24A3BD}"/>
+              </a:ext>
+            </a:extLst>
+          </p:cNvPr>
+          <p:cNvSpPr>
+            <a:spLocks noGrp="1"/>
+          </p:cNvSpPr>
+          <p:nvPr>
+            <p:ph type="title"/>
+          </p:nvPr>
+        </p:nvSpPr>
+        <p:spPr>
+          <a:xfrm>
+            <a:off x="838200" y="365126"/>
+            <a:ext cx="10515600" cy="1028246"/>
+          </a:xfrm>
+        </p:spPr>
+        <p:txBody>
+          <a:bodyPr/>
+          <a:lstStyle/>
+          <a:p>
+            <a:endParaRPr lang="en-US" dirty="0"/>
+          </a:p>
+        </p:txBody>
+      </p:sp>
+      <p:pic>
+        <p:nvPicPr>
+          <p:cNvPr id="4" name="Picture 3">
+            <a:extLst>
+              <a:ext uri="{FF2B5EF4-FFF2-40B4-BE49-F238E27FC236}">
+                <a16:creationId xmlns:a16="http://schemas.microsoft.com/office/drawing/2014/main" id="{19DEAB32-382D-0914-E07E-3BA72B9DE331}"/>
+              </a:ext>
+            </a:extLst>
+          </p:cNvPr>
+          <p:cNvPicPr>
+            <a:picLocks noChangeAspect="1"/>
+          </p:cNvPicPr>
+          <p:nvPr/>
+        </p:nvPicPr>
+        <p:blipFill>
+          <a:blip r:embed="rId2"/>
+          <a:stretch>
+            <a:fillRect/>
+          </a:stretch>
+        </p:blipFill>
+        <p:spPr>
+          <a:xfrm>
+            <a:off x="4778829" y="1781175"/>
+            <a:ext cx="5334000" cy="4711700"/>
+          </a:xfrm>
+          <a:prstGeom prst="rect">
+            <a:avLst/>
+          </a:prstGeom>
+        </p:spPr>
+      </p:pic>
+      <p:pic>
+        <p:nvPicPr>
+          <p:cNvPr id="5" name="Picture 4">
+            <a:extLst>
+              <a:ext uri="{FF2B5EF4-FFF2-40B4-BE49-F238E27FC236}">
+                <a16:creationId xmlns:a16="http://schemas.microsoft.com/office/drawing/2014/main" id="{7F630E57-FA22-C93E-C526-677DAF161BA2}"/>
+              </a:ext>
+            </a:extLst>
+          </p:cNvPr>
+          <p:cNvPicPr>
+            <a:picLocks noChangeAspect="1"/>
+          </p:cNvPicPr>
+          <p:nvPr/>
+        </p:nvPicPr>
+        <p:blipFill>
+          <a:blip r:embed="rId3"/>
+          <a:stretch>
+            <a:fillRect/>
+          </a:stretch>
+        </p:blipFill>
+        <p:spPr>
+          <a:xfrm rot="16200000">
+            <a:off x="776933" y="2567849"/>
+            <a:ext cx="4462689" cy="3138350"/>
+          </a:xfrm>
+          <a:prstGeom prst="rect">
+            <a:avLst/>
+          </a:prstGeom>
+        </p:spPr>
+      </p:pic>
+    </p:spTree>
+    <p:extLst>
+      <p:ext uri="{BB962C8B-B14F-4D97-AF65-F5344CB8AC3E}">
+        <p14:creationId xmlns:p14="http://schemas.microsoft.com/office/powerpoint/2010/main" val="3926232942"/>
+      </p:ext>
+    </p:extLst>
+  </p:cSld>
+  <p:clrMapOvr>
+    <a:masterClrMapping/>
+  </p:clrMapOvr>
+</p:sld>
+</file>
+
 <file path=ppt/theme/theme1.xml><?xml version="1.0" encoding="utf-8"?>
 <a:theme xmlns:a="http://schemas.openxmlformats.org/drawingml/2006/main" name="Office Theme">
   <a:themeElements>

--- a/slides/Breadboard-Basics.pptx
+++ b/slides/Breadboard-Basics.pptx
@@ -267,7 +267,7 @@
           <a:p>
             <a:fld id="{15B0168C-30FA-7B47-AF31-323605ECDC57}" type="datetimeFigureOut">
               <a:rPr lang="en-US" smtClean="0"/>
-              <a:t>1/21/24</a:t>
+              <a:t>9/3/24</a:t>
             </a:fld>
             <a:endParaRPr lang="en-US"/>
           </a:p>
@@ -465,7 +465,7 @@
           <a:p>
             <a:fld id="{15B0168C-30FA-7B47-AF31-323605ECDC57}" type="datetimeFigureOut">
               <a:rPr lang="en-US" smtClean="0"/>
-              <a:t>1/21/24</a:t>
+              <a:t>9/3/24</a:t>
             </a:fld>
             <a:endParaRPr lang="en-US"/>
           </a:p>
@@ -673,7 +673,7 @@
           <a:p>
             <a:fld id="{15B0168C-30FA-7B47-AF31-323605ECDC57}" type="datetimeFigureOut">
               <a:rPr lang="en-US" smtClean="0"/>
-              <a:t>1/21/24</a:t>
+              <a:t>9/3/24</a:t>
             </a:fld>
             <a:endParaRPr lang="en-US"/>
           </a:p>
@@ -871,7 +871,7 @@
           <a:p>
             <a:fld id="{15B0168C-30FA-7B47-AF31-323605ECDC57}" type="datetimeFigureOut">
               <a:rPr lang="en-US" smtClean="0"/>
-              <a:t>1/21/24</a:t>
+              <a:t>9/3/24</a:t>
             </a:fld>
             <a:endParaRPr lang="en-US"/>
           </a:p>
@@ -1146,7 +1146,7 @@
           <a:p>
             <a:fld id="{15B0168C-30FA-7B47-AF31-323605ECDC57}" type="datetimeFigureOut">
               <a:rPr lang="en-US" smtClean="0"/>
-              <a:t>1/21/24</a:t>
+              <a:t>9/3/24</a:t>
             </a:fld>
             <a:endParaRPr lang="en-US"/>
           </a:p>
@@ -1411,7 +1411,7 @@
           <a:p>
             <a:fld id="{15B0168C-30FA-7B47-AF31-323605ECDC57}" type="datetimeFigureOut">
               <a:rPr lang="en-US" smtClean="0"/>
-              <a:t>1/21/24</a:t>
+              <a:t>9/3/24</a:t>
             </a:fld>
             <a:endParaRPr lang="en-US"/>
           </a:p>
@@ -1823,7 +1823,7 @@
           <a:p>
             <a:fld id="{15B0168C-30FA-7B47-AF31-323605ECDC57}" type="datetimeFigureOut">
               <a:rPr lang="en-US" smtClean="0"/>
-              <a:t>1/21/24</a:t>
+              <a:t>9/3/24</a:t>
             </a:fld>
             <a:endParaRPr lang="en-US"/>
           </a:p>
@@ -1964,7 +1964,7 @@
           <a:p>
             <a:fld id="{15B0168C-30FA-7B47-AF31-323605ECDC57}" type="datetimeFigureOut">
               <a:rPr lang="en-US" smtClean="0"/>
-              <a:t>1/21/24</a:t>
+              <a:t>9/3/24</a:t>
             </a:fld>
             <a:endParaRPr lang="en-US"/>
           </a:p>
@@ -2077,7 +2077,7 @@
           <a:p>
             <a:fld id="{15B0168C-30FA-7B47-AF31-323605ECDC57}" type="datetimeFigureOut">
               <a:rPr lang="en-US" smtClean="0"/>
-              <a:t>1/21/24</a:t>
+              <a:t>9/3/24</a:t>
             </a:fld>
             <a:endParaRPr lang="en-US"/>
           </a:p>
@@ -2388,7 +2388,7 @@
           <a:p>
             <a:fld id="{15B0168C-30FA-7B47-AF31-323605ECDC57}" type="datetimeFigureOut">
               <a:rPr lang="en-US" smtClean="0"/>
-              <a:t>1/21/24</a:t>
+              <a:t>9/3/24</a:t>
             </a:fld>
             <a:endParaRPr lang="en-US"/>
           </a:p>
@@ -2676,7 +2676,7 @@
           <a:p>
             <a:fld id="{15B0168C-30FA-7B47-AF31-323605ECDC57}" type="datetimeFigureOut">
               <a:rPr lang="en-US" smtClean="0"/>
-              <a:t>1/21/24</a:t>
+              <a:t>9/3/24</a:t>
             </a:fld>
             <a:endParaRPr lang="en-US"/>
           </a:p>
@@ -2917,7 +2917,7 @@
           <a:p>
             <a:fld id="{15B0168C-30FA-7B47-AF31-323605ECDC57}" type="datetimeFigureOut">
               <a:rPr lang="en-US" smtClean="0"/>
-              <a:t>1/21/24</a:t>
+              <a:t>9/3/24</a:t>
             </a:fld>
             <a:endParaRPr lang="en-US"/>
           </a:p>
@@ -3599,7 +3599,10 @@
           <a:bodyPr/>
           <a:lstStyle/>
           <a:p>
-            <a:endParaRPr lang="en-US"/>
+            <a:r>
+              <a:rPr lang="en-US" dirty="0"/>
+              <a:t>USB Power Adapters</a:t>
+            </a:r>
           </a:p>
         </p:txBody>
       </p:sp>
